--- a/ppt/4.GUI.pptx
+++ b/ppt/4.GUI.pptx
@@ -6,9 +6,10 @@
   </p:sldMasterIdLst>
   <p:sldIdLst>
     <p:sldId id="256" r:id="rId2"/>
-    <p:sldId id="257" r:id="rId3"/>
+    <p:sldId id="260" r:id="rId3"/>
     <p:sldId id="259" r:id="rId4"/>
-    <p:sldId id="258" r:id="rId5"/>
+    <p:sldId id="257" r:id="rId5"/>
+    <p:sldId id="258" r:id="rId6"/>
   </p:sldIdLst>
   <p:sldSz cx="12192000" cy="6858000"/>
   <p:notesSz cx="6858000" cy="9144000"/>
@@ -107,6 +108,11 @@
       </a:defRPr>
     </a:lvl9pPr>
   </p:defaultTextStyle>
+  <p:extLst>
+    <p:ext uri="{EFAFB233-063F-42B5-8137-9DF3F51BA10A}">
+      <p15:sldGuideLst xmlns:p15="http://schemas.microsoft.com/office/powerpoint/2012/main"/>
+    </p:ext>
+  </p:extLst>
 </p:presentation>
 </file>
 
@@ -164,10 +170,9 @@
           </a:lstStyle>
           <a:p>
             <a:r>
-              <a:rPr lang="ko-KR" altLang="en-US" smtClean="0"/>
+              <a:rPr lang="ko-KR" altLang="en-US"/>
               <a:t>마스터 제목 스타일 편집</a:t>
             </a:r>
-            <a:endParaRPr lang="ko-KR" altLang="en-US"/>
           </a:p>
         </p:txBody>
       </p:sp>
@@ -229,10 +234,9 @@
           </a:lstStyle>
           <a:p>
             <a:r>
-              <a:rPr lang="ko-KR" altLang="en-US" smtClean="0"/>
+              <a:rPr lang="ko-KR" altLang="en-US"/>
               <a:t>클릭하여 마스터 부제목 스타일 편집</a:t>
             </a:r>
-            <a:endParaRPr lang="ko-KR" altLang="en-US"/>
           </a:p>
         </p:txBody>
       </p:sp>
@@ -253,7 +257,7 @@
           <a:p>
             <a:fld id="{3D757745-8730-4316-A53D-771694C2BA56}" type="datetimeFigureOut">
               <a:rPr lang="ko-KR" altLang="en-US" smtClean="0"/>
-              <a:t>2019-03-27</a:t>
+              <a:t>2019-04-28</a:t>
             </a:fld>
             <a:endParaRPr lang="ko-KR" altLang="en-US"/>
           </a:p>
@@ -347,10 +351,9 @@
           <a:lstStyle/>
           <a:p>
             <a:r>
-              <a:rPr lang="ko-KR" altLang="en-US" smtClean="0"/>
+              <a:rPr lang="ko-KR" altLang="en-US"/>
               <a:t>마스터 제목 스타일 편집</a:t>
             </a:r>
-            <a:endParaRPr lang="ko-KR" altLang="en-US"/>
           </a:p>
         </p:txBody>
       </p:sp>
@@ -371,38 +374,37 @@
           <a:p>
             <a:pPr lvl="0"/>
             <a:r>
-              <a:rPr lang="ko-KR" altLang="en-US" smtClean="0"/>
+              <a:rPr lang="ko-KR" altLang="en-US"/>
               <a:t>마스터 텍스트 스타일 편집</a:t>
             </a:r>
           </a:p>
           <a:p>
             <a:pPr lvl="1"/>
             <a:r>
-              <a:rPr lang="ko-KR" altLang="en-US" smtClean="0"/>
+              <a:rPr lang="ko-KR" altLang="en-US"/>
               <a:t>둘째 수준</a:t>
             </a:r>
           </a:p>
           <a:p>
             <a:pPr lvl="2"/>
             <a:r>
-              <a:rPr lang="ko-KR" altLang="en-US" smtClean="0"/>
+              <a:rPr lang="ko-KR" altLang="en-US"/>
               <a:t>셋째 수준</a:t>
             </a:r>
           </a:p>
           <a:p>
             <a:pPr lvl="3"/>
             <a:r>
-              <a:rPr lang="ko-KR" altLang="en-US" smtClean="0"/>
+              <a:rPr lang="ko-KR" altLang="en-US"/>
               <a:t>넷째 수준</a:t>
             </a:r>
           </a:p>
           <a:p>
             <a:pPr lvl="4"/>
             <a:r>
-              <a:rPr lang="ko-KR" altLang="en-US" smtClean="0"/>
+              <a:rPr lang="ko-KR" altLang="en-US"/>
               <a:t>다섯째 수준</a:t>
             </a:r>
-            <a:endParaRPr lang="ko-KR" altLang="en-US"/>
           </a:p>
         </p:txBody>
       </p:sp>
@@ -423,7 +425,7 @@
           <a:p>
             <a:fld id="{3D757745-8730-4316-A53D-771694C2BA56}" type="datetimeFigureOut">
               <a:rPr lang="ko-KR" altLang="en-US" smtClean="0"/>
-              <a:t>2019-03-27</a:t>
+              <a:t>2019-04-28</a:t>
             </a:fld>
             <a:endParaRPr lang="ko-KR" altLang="en-US"/>
           </a:p>
@@ -522,10 +524,9 @@
           <a:lstStyle/>
           <a:p>
             <a:r>
-              <a:rPr lang="ko-KR" altLang="en-US" smtClean="0"/>
+              <a:rPr lang="ko-KR" altLang="en-US"/>
               <a:t>마스터 제목 스타일 편집</a:t>
             </a:r>
-            <a:endParaRPr lang="ko-KR" altLang="en-US"/>
           </a:p>
         </p:txBody>
       </p:sp>
@@ -551,38 +552,37 @@
           <a:p>
             <a:pPr lvl="0"/>
             <a:r>
-              <a:rPr lang="ko-KR" altLang="en-US" smtClean="0"/>
+              <a:rPr lang="ko-KR" altLang="en-US"/>
               <a:t>마스터 텍스트 스타일 편집</a:t>
             </a:r>
           </a:p>
           <a:p>
             <a:pPr lvl="1"/>
             <a:r>
-              <a:rPr lang="ko-KR" altLang="en-US" smtClean="0"/>
+              <a:rPr lang="ko-KR" altLang="en-US"/>
               <a:t>둘째 수준</a:t>
             </a:r>
           </a:p>
           <a:p>
             <a:pPr lvl="2"/>
             <a:r>
-              <a:rPr lang="ko-KR" altLang="en-US" smtClean="0"/>
+              <a:rPr lang="ko-KR" altLang="en-US"/>
               <a:t>셋째 수준</a:t>
             </a:r>
           </a:p>
           <a:p>
             <a:pPr lvl="3"/>
             <a:r>
-              <a:rPr lang="ko-KR" altLang="en-US" smtClean="0"/>
+              <a:rPr lang="ko-KR" altLang="en-US"/>
               <a:t>넷째 수준</a:t>
             </a:r>
           </a:p>
           <a:p>
             <a:pPr lvl="4"/>
             <a:r>
-              <a:rPr lang="ko-KR" altLang="en-US" smtClean="0"/>
+              <a:rPr lang="ko-KR" altLang="en-US"/>
               <a:t>다섯째 수준</a:t>
             </a:r>
-            <a:endParaRPr lang="ko-KR" altLang="en-US"/>
           </a:p>
         </p:txBody>
       </p:sp>
@@ -603,7 +603,7 @@
           <a:p>
             <a:fld id="{3D757745-8730-4316-A53D-771694C2BA56}" type="datetimeFigureOut">
               <a:rPr lang="ko-KR" altLang="en-US" smtClean="0"/>
-              <a:t>2019-03-27</a:t>
+              <a:t>2019-04-28</a:t>
             </a:fld>
             <a:endParaRPr lang="ko-KR" altLang="en-US"/>
           </a:p>
@@ -697,10 +697,9 @@
           <a:lstStyle/>
           <a:p>
             <a:r>
-              <a:rPr lang="ko-KR" altLang="en-US" smtClean="0"/>
+              <a:rPr lang="ko-KR" altLang="en-US"/>
               <a:t>마스터 제목 스타일 편집</a:t>
             </a:r>
-            <a:endParaRPr lang="ko-KR" altLang="en-US"/>
           </a:p>
         </p:txBody>
       </p:sp>
@@ -721,38 +720,37 @@
           <a:p>
             <a:pPr lvl="0"/>
             <a:r>
-              <a:rPr lang="ko-KR" altLang="en-US" smtClean="0"/>
+              <a:rPr lang="ko-KR" altLang="en-US"/>
               <a:t>마스터 텍스트 스타일 편집</a:t>
             </a:r>
           </a:p>
           <a:p>
             <a:pPr lvl="1"/>
             <a:r>
-              <a:rPr lang="ko-KR" altLang="en-US" smtClean="0"/>
+              <a:rPr lang="ko-KR" altLang="en-US"/>
               <a:t>둘째 수준</a:t>
             </a:r>
           </a:p>
           <a:p>
             <a:pPr lvl="2"/>
             <a:r>
-              <a:rPr lang="ko-KR" altLang="en-US" smtClean="0"/>
+              <a:rPr lang="ko-KR" altLang="en-US"/>
               <a:t>셋째 수준</a:t>
             </a:r>
           </a:p>
           <a:p>
             <a:pPr lvl="3"/>
             <a:r>
-              <a:rPr lang="ko-KR" altLang="en-US" smtClean="0"/>
+              <a:rPr lang="ko-KR" altLang="en-US"/>
               <a:t>넷째 수준</a:t>
             </a:r>
           </a:p>
           <a:p>
             <a:pPr lvl="4"/>
             <a:r>
-              <a:rPr lang="ko-KR" altLang="en-US" smtClean="0"/>
+              <a:rPr lang="ko-KR" altLang="en-US"/>
               <a:t>다섯째 수준</a:t>
             </a:r>
-            <a:endParaRPr lang="ko-KR" altLang="en-US"/>
           </a:p>
         </p:txBody>
       </p:sp>
@@ -773,7 +771,7 @@
           <a:p>
             <a:fld id="{3D757745-8730-4316-A53D-771694C2BA56}" type="datetimeFigureOut">
               <a:rPr lang="ko-KR" altLang="en-US" smtClean="0"/>
-              <a:t>2019-03-27</a:t>
+              <a:t>2019-04-28</a:t>
             </a:fld>
             <a:endParaRPr lang="ko-KR" altLang="en-US"/>
           </a:p>
@@ -876,10 +874,9 @@
           </a:lstStyle>
           <a:p>
             <a:r>
-              <a:rPr lang="ko-KR" altLang="en-US" smtClean="0"/>
+              <a:rPr lang="ko-KR" altLang="en-US"/>
               <a:t>마스터 제목 스타일 편집</a:t>
             </a:r>
-            <a:endParaRPr lang="ko-KR" altLang="en-US"/>
           </a:p>
         </p:txBody>
       </p:sp>
@@ -996,7 +993,7 @@
           <a:p>
             <a:pPr lvl="0"/>
             <a:r>
-              <a:rPr lang="ko-KR" altLang="en-US" smtClean="0"/>
+              <a:rPr lang="ko-KR" altLang="en-US"/>
               <a:t>마스터 텍스트 스타일 편집</a:t>
             </a:r>
           </a:p>
@@ -1019,7 +1016,7 @@
           <a:p>
             <a:fld id="{3D757745-8730-4316-A53D-771694C2BA56}" type="datetimeFigureOut">
               <a:rPr lang="ko-KR" altLang="en-US" smtClean="0"/>
-              <a:t>2019-03-27</a:t>
+              <a:t>2019-04-28</a:t>
             </a:fld>
             <a:endParaRPr lang="ko-KR" altLang="en-US"/>
           </a:p>
@@ -1113,10 +1110,9 @@
           <a:lstStyle/>
           <a:p>
             <a:r>
-              <a:rPr lang="ko-KR" altLang="en-US" smtClean="0"/>
+              <a:rPr lang="ko-KR" altLang="en-US"/>
               <a:t>마스터 제목 스타일 편집</a:t>
             </a:r>
-            <a:endParaRPr lang="ko-KR" altLang="en-US"/>
           </a:p>
         </p:txBody>
       </p:sp>
@@ -1142,38 +1138,37 @@
           <a:p>
             <a:pPr lvl="0"/>
             <a:r>
-              <a:rPr lang="ko-KR" altLang="en-US" smtClean="0"/>
+              <a:rPr lang="ko-KR" altLang="en-US"/>
               <a:t>마스터 텍스트 스타일 편집</a:t>
             </a:r>
           </a:p>
           <a:p>
             <a:pPr lvl="1"/>
             <a:r>
-              <a:rPr lang="ko-KR" altLang="en-US" smtClean="0"/>
+              <a:rPr lang="ko-KR" altLang="en-US"/>
               <a:t>둘째 수준</a:t>
             </a:r>
           </a:p>
           <a:p>
             <a:pPr lvl="2"/>
             <a:r>
-              <a:rPr lang="ko-KR" altLang="en-US" smtClean="0"/>
+              <a:rPr lang="ko-KR" altLang="en-US"/>
               <a:t>셋째 수준</a:t>
             </a:r>
           </a:p>
           <a:p>
             <a:pPr lvl="3"/>
             <a:r>
-              <a:rPr lang="ko-KR" altLang="en-US" smtClean="0"/>
+              <a:rPr lang="ko-KR" altLang="en-US"/>
               <a:t>넷째 수준</a:t>
             </a:r>
           </a:p>
           <a:p>
             <a:pPr lvl="4"/>
             <a:r>
-              <a:rPr lang="ko-KR" altLang="en-US" smtClean="0"/>
+              <a:rPr lang="ko-KR" altLang="en-US"/>
               <a:t>다섯째 수준</a:t>
             </a:r>
-            <a:endParaRPr lang="ko-KR" altLang="en-US"/>
           </a:p>
         </p:txBody>
       </p:sp>
@@ -1199,38 +1194,37 @@
           <a:p>
             <a:pPr lvl="0"/>
             <a:r>
-              <a:rPr lang="ko-KR" altLang="en-US" smtClean="0"/>
+              <a:rPr lang="ko-KR" altLang="en-US"/>
               <a:t>마스터 텍스트 스타일 편집</a:t>
             </a:r>
           </a:p>
           <a:p>
             <a:pPr lvl="1"/>
             <a:r>
-              <a:rPr lang="ko-KR" altLang="en-US" smtClean="0"/>
+              <a:rPr lang="ko-KR" altLang="en-US"/>
               <a:t>둘째 수준</a:t>
             </a:r>
           </a:p>
           <a:p>
             <a:pPr lvl="2"/>
             <a:r>
-              <a:rPr lang="ko-KR" altLang="en-US" smtClean="0"/>
+              <a:rPr lang="ko-KR" altLang="en-US"/>
               <a:t>셋째 수준</a:t>
             </a:r>
           </a:p>
           <a:p>
             <a:pPr lvl="3"/>
             <a:r>
-              <a:rPr lang="ko-KR" altLang="en-US" smtClean="0"/>
+              <a:rPr lang="ko-KR" altLang="en-US"/>
               <a:t>넷째 수준</a:t>
             </a:r>
           </a:p>
           <a:p>
             <a:pPr lvl="4"/>
             <a:r>
-              <a:rPr lang="ko-KR" altLang="en-US" smtClean="0"/>
+              <a:rPr lang="ko-KR" altLang="en-US"/>
               <a:t>다섯째 수준</a:t>
             </a:r>
-            <a:endParaRPr lang="ko-KR" altLang="en-US"/>
           </a:p>
         </p:txBody>
       </p:sp>
@@ -1251,7 +1245,7 @@
           <a:p>
             <a:fld id="{3D757745-8730-4316-A53D-771694C2BA56}" type="datetimeFigureOut">
               <a:rPr lang="ko-KR" altLang="en-US" smtClean="0"/>
-              <a:t>2019-03-27</a:t>
+              <a:t>2019-04-28</a:t>
             </a:fld>
             <a:endParaRPr lang="ko-KR" altLang="en-US"/>
           </a:p>
@@ -1350,10 +1344,9 @@
           <a:lstStyle/>
           <a:p>
             <a:r>
-              <a:rPr lang="ko-KR" altLang="en-US" smtClean="0"/>
+              <a:rPr lang="ko-KR" altLang="en-US"/>
               <a:t>마스터 제목 스타일 편집</a:t>
             </a:r>
-            <a:endParaRPr lang="ko-KR" altLang="en-US"/>
           </a:p>
         </p:txBody>
       </p:sp>
@@ -1416,7 +1409,7 @@
           <a:p>
             <a:pPr lvl="0"/>
             <a:r>
-              <a:rPr lang="ko-KR" altLang="en-US" smtClean="0"/>
+              <a:rPr lang="ko-KR" altLang="en-US"/>
               <a:t>마스터 텍스트 스타일 편집</a:t>
             </a:r>
           </a:p>
@@ -1444,38 +1437,37 @@
           <a:p>
             <a:pPr lvl="0"/>
             <a:r>
-              <a:rPr lang="ko-KR" altLang="en-US" smtClean="0"/>
+              <a:rPr lang="ko-KR" altLang="en-US"/>
               <a:t>마스터 텍스트 스타일 편집</a:t>
             </a:r>
           </a:p>
           <a:p>
             <a:pPr lvl="1"/>
             <a:r>
-              <a:rPr lang="ko-KR" altLang="en-US" smtClean="0"/>
+              <a:rPr lang="ko-KR" altLang="en-US"/>
               <a:t>둘째 수준</a:t>
             </a:r>
           </a:p>
           <a:p>
             <a:pPr lvl="2"/>
             <a:r>
-              <a:rPr lang="ko-KR" altLang="en-US" smtClean="0"/>
+              <a:rPr lang="ko-KR" altLang="en-US"/>
               <a:t>셋째 수준</a:t>
             </a:r>
           </a:p>
           <a:p>
             <a:pPr lvl="3"/>
             <a:r>
-              <a:rPr lang="ko-KR" altLang="en-US" smtClean="0"/>
+              <a:rPr lang="ko-KR" altLang="en-US"/>
               <a:t>넷째 수준</a:t>
             </a:r>
           </a:p>
           <a:p>
             <a:pPr lvl="4"/>
             <a:r>
-              <a:rPr lang="ko-KR" altLang="en-US" smtClean="0"/>
+              <a:rPr lang="ko-KR" altLang="en-US"/>
               <a:t>다섯째 수준</a:t>
             </a:r>
-            <a:endParaRPr lang="ko-KR" altLang="en-US"/>
           </a:p>
         </p:txBody>
       </p:sp>
@@ -1538,7 +1530,7 @@
           <a:p>
             <a:pPr lvl="0"/>
             <a:r>
-              <a:rPr lang="ko-KR" altLang="en-US" smtClean="0"/>
+              <a:rPr lang="ko-KR" altLang="en-US"/>
               <a:t>마스터 텍스트 스타일 편집</a:t>
             </a:r>
           </a:p>
@@ -1566,38 +1558,37 @@
           <a:p>
             <a:pPr lvl="0"/>
             <a:r>
-              <a:rPr lang="ko-KR" altLang="en-US" smtClean="0"/>
+              <a:rPr lang="ko-KR" altLang="en-US"/>
               <a:t>마스터 텍스트 스타일 편집</a:t>
             </a:r>
           </a:p>
           <a:p>
             <a:pPr lvl="1"/>
             <a:r>
-              <a:rPr lang="ko-KR" altLang="en-US" smtClean="0"/>
+              <a:rPr lang="ko-KR" altLang="en-US"/>
               <a:t>둘째 수준</a:t>
             </a:r>
           </a:p>
           <a:p>
             <a:pPr lvl="2"/>
             <a:r>
-              <a:rPr lang="ko-KR" altLang="en-US" smtClean="0"/>
+              <a:rPr lang="ko-KR" altLang="en-US"/>
               <a:t>셋째 수준</a:t>
             </a:r>
           </a:p>
           <a:p>
             <a:pPr lvl="3"/>
             <a:r>
-              <a:rPr lang="ko-KR" altLang="en-US" smtClean="0"/>
+              <a:rPr lang="ko-KR" altLang="en-US"/>
               <a:t>넷째 수준</a:t>
             </a:r>
           </a:p>
           <a:p>
             <a:pPr lvl="4"/>
             <a:r>
-              <a:rPr lang="ko-KR" altLang="en-US" smtClean="0"/>
+              <a:rPr lang="ko-KR" altLang="en-US"/>
               <a:t>다섯째 수준</a:t>
             </a:r>
-            <a:endParaRPr lang="ko-KR" altLang="en-US"/>
           </a:p>
         </p:txBody>
       </p:sp>
@@ -1618,7 +1609,7 @@
           <a:p>
             <a:fld id="{3D757745-8730-4316-A53D-771694C2BA56}" type="datetimeFigureOut">
               <a:rPr lang="ko-KR" altLang="en-US" smtClean="0"/>
-              <a:t>2019-03-27</a:t>
+              <a:t>2019-04-28</a:t>
             </a:fld>
             <a:endParaRPr lang="ko-KR" altLang="en-US"/>
           </a:p>
@@ -1712,10 +1703,9 @@
           <a:lstStyle/>
           <a:p>
             <a:r>
-              <a:rPr lang="ko-KR" altLang="en-US" smtClean="0"/>
+              <a:rPr lang="ko-KR" altLang="en-US"/>
               <a:t>마스터 제목 스타일 편집</a:t>
             </a:r>
-            <a:endParaRPr lang="ko-KR" altLang="en-US"/>
           </a:p>
         </p:txBody>
       </p:sp>
@@ -1736,7 +1726,7 @@
           <a:p>
             <a:fld id="{3D757745-8730-4316-A53D-771694C2BA56}" type="datetimeFigureOut">
               <a:rPr lang="ko-KR" altLang="en-US" smtClean="0"/>
-              <a:t>2019-03-27</a:t>
+              <a:t>2019-04-28</a:t>
             </a:fld>
             <a:endParaRPr lang="ko-KR" altLang="en-US"/>
           </a:p>
@@ -1831,7 +1821,7 @@
           <a:p>
             <a:fld id="{3D757745-8730-4316-A53D-771694C2BA56}" type="datetimeFigureOut">
               <a:rPr lang="ko-KR" altLang="en-US" smtClean="0"/>
-              <a:t>2019-03-27</a:t>
+              <a:t>2019-04-28</a:t>
             </a:fld>
             <a:endParaRPr lang="ko-KR" altLang="en-US"/>
           </a:p>
@@ -1934,10 +1924,9 @@
           </a:lstStyle>
           <a:p>
             <a:r>
-              <a:rPr lang="ko-KR" altLang="en-US" smtClean="0"/>
+              <a:rPr lang="ko-KR" altLang="en-US"/>
               <a:t>마스터 제목 스타일 편집</a:t>
             </a:r>
-            <a:endParaRPr lang="ko-KR" altLang="en-US"/>
           </a:p>
         </p:txBody>
       </p:sp>
@@ -1991,38 +1980,37 @@
           <a:p>
             <a:pPr lvl="0"/>
             <a:r>
-              <a:rPr lang="ko-KR" altLang="en-US" smtClean="0"/>
+              <a:rPr lang="ko-KR" altLang="en-US"/>
               <a:t>마스터 텍스트 스타일 편집</a:t>
             </a:r>
           </a:p>
           <a:p>
             <a:pPr lvl="1"/>
             <a:r>
-              <a:rPr lang="ko-KR" altLang="en-US" smtClean="0"/>
+              <a:rPr lang="ko-KR" altLang="en-US"/>
               <a:t>둘째 수준</a:t>
             </a:r>
           </a:p>
           <a:p>
             <a:pPr lvl="2"/>
             <a:r>
-              <a:rPr lang="ko-KR" altLang="en-US" smtClean="0"/>
+              <a:rPr lang="ko-KR" altLang="en-US"/>
               <a:t>셋째 수준</a:t>
             </a:r>
           </a:p>
           <a:p>
             <a:pPr lvl="3"/>
             <a:r>
-              <a:rPr lang="ko-KR" altLang="en-US" smtClean="0"/>
+              <a:rPr lang="ko-KR" altLang="en-US"/>
               <a:t>넷째 수준</a:t>
             </a:r>
           </a:p>
           <a:p>
             <a:pPr lvl="4"/>
             <a:r>
-              <a:rPr lang="ko-KR" altLang="en-US" smtClean="0"/>
+              <a:rPr lang="ko-KR" altLang="en-US"/>
               <a:t>다섯째 수준</a:t>
             </a:r>
-            <a:endParaRPr lang="ko-KR" altLang="en-US"/>
           </a:p>
         </p:txBody>
       </p:sp>
@@ -2085,7 +2073,7 @@
           <a:p>
             <a:pPr lvl="0"/>
             <a:r>
-              <a:rPr lang="ko-KR" altLang="en-US" smtClean="0"/>
+              <a:rPr lang="ko-KR" altLang="en-US"/>
               <a:t>마스터 텍스트 스타일 편집</a:t>
             </a:r>
           </a:p>
@@ -2108,7 +2096,7 @@
           <a:p>
             <a:fld id="{3D757745-8730-4316-A53D-771694C2BA56}" type="datetimeFigureOut">
               <a:rPr lang="ko-KR" altLang="en-US" smtClean="0"/>
-              <a:t>2019-03-27</a:t>
+              <a:t>2019-04-28</a:t>
             </a:fld>
             <a:endParaRPr lang="ko-KR" altLang="en-US"/>
           </a:p>
@@ -2211,10 +2199,9 @@
           </a:lstStyle>
           <a:p>
             <a:r>
-              <a:rPr lang="ko-KR" altLang="en-US" smtClean="0"/>
+              <a:rPr lang="ko-KR" altLang="en-US"/>
               <a:t>마스터 제목 스타일 편집</a:t>
             </a:r>
-            <a:endParaRPr lang="ko-KR" altLang="en-US"/>
           </a:p>
         </p:txBody>
       </p:sp>
@@ -2338,7 +2325,7 @@
           <a:p>
             <a:pPr lvl="0"/>
             <a:r>
-              <a:rPr lang="ko-KR" altLang="en-US" smtClean="0"/>
+              <a:rPr lang="ko-KR" altLang="en-US"/>
               <a:t>마스터 텍스트 스타일 편집</a:t>
             </a:r>
           </a:p>
@@ -2361,7 +2348,7 @@
           <a:p>
             <a:fld id="{3D757745-8730-4316-A53D-771694C2BA56}" type="datetimeFigureOut">
               <a:rPr lang="ko-KR" altLang="en-US" smtClean="0"/>
-              <a:t>2019-03-27</a:t>
+              <a:t>2019-04-28</a:t>
             </a:fld>
             <a:endParaRPr lang="ko-KR" altLang="en-US"/>
           </a:p>
@@ -2470,10 +2457,9 @@
           <a:lstStyle/>
           <a:p>
             <a:r>
-              <a:rPr lang="ko-KR" altLang="en-US" smtClean="0"/>
+              <a:rPr lang="ko-KR" altLang="en-US"/>
               <a:t>마스터 제목 스타일 편집</a:t>
             </a:r>
-            <a:endParaRPr lang="ko-KR" altLang="en-US"/>
           </a:p>
         </p:txBody>
       </p:sp>
@@ -2504,38 +2490,37 @@
           <a:p>
             <a:pPr lvl="0"/>
             <a:r>
-              <a:rPr lang="ko-KR" altLang="en-US" smtClean="0"/>
+              <a:rPr lang="ko-KR" altLang="en-US"/>
               <a:t>마스터 텍스트 스타일 편집</a:t>
             </a:r>
           </a:p>
           <a:p>
             <a:pPr lvl="1"/>
             <a:r>
-              <a:rPr lang="ko-KR" altLang="en-US" smtClean="0"/>
+              <a:rPr lang="ko-KR" altLang="en-US"/>
               <a:t>둘째 수준</a:t>
             </a:r>
           </a:p>
           <a:p>
             <a:pPr lvl="2"/>
             <a:r>
-              <a:rPr lang="ko-KR" altLang="en-US" smtClean="0"/>
+              <a:rPr lang="ko-KR" altLang="en-US"/>
               <a:t>셋째 수준</a:t>
             </a:r>
           </a:p>
           <a:p>
             <a:pPr lvl="3"/>
             <a:r>
-              <a:rPr lang="ko-KR" altLang="en-US" smtClean="0"/>
+              <a:rPr lang="ko-KR" altLang="en-US"/>
               <a:t>넷째 수준</a:t>
             </a:r>
           </a:p>
           <a:p>
             <a:pPr lvl="4"/>
             <a:r>
-              <a:rPr lang="ko-KR" altLang="en-US" smtClean="0"/>
+              <a:rPr lang="ko-KR" altLang="en-US"/>
               <a:t>다섯째 수준</a:t>
             </a:r>
-            <a:endParaRPr lang="ko-KR" altLang="en-US"/>
           </a:p>
         </p:txBody>
       </p:sp>
@@ -2574,7 +2559,7 @@
           <a:p>
             <a:fld id="{3D757745-8730-4316-A53D-771694C2BA56}" type="datetimeFigureOut">
               <a:rPr lang="ko-KR" altLang="en-US" smtClean="0"/>
-              <a:t>2019-03-27</a:t>
+              <a:t>2019-04-28</a:t>
             </a:fld>
             <a:endParaRPr lang="ko-KR" altLang="en-US"/>
           </a:p>
@@ -3186,18 +3171,17 @@
             <a:p>
               <a:pPr algn="ctr"/>
               <a:r>
-                <a:rPr lang="ko-KR" altLang="en-US" b="1" dirty="0" smtClean="0"/>
+                <a:rPr lang="ko-KR" altLang="en-US" b="1" dirty="0"/>
                 <a:t>옷</a:t>
               </a:r>
-              <a:endParaRPr lang="en-US" altLang="ko-KR" b="1" dirty="0" smtClean="0"/>
+              <a:endParaRPr lang="en-US" altLang="ko-KR" b="1" dirty="0"/>
             </a:p>
             <a:p>
               <a:pPr algn="ctr"/>
               <a:r>
-                <a:rPr lang="ko-KR" altLang="en-US" b="1" dirty="0" smtClean="0"/>
+                <a:rPr lang="ko-KR" altLang="en-US" b="1" dirty="0"/>
                 <a:t>입기</a:t>
               </a:r>
-              <a:endParaRPr lang="ko-KR" altLang="en-US" b="1" dirty="0"/>
             </a:p>
           </p:txBody>
         </p:sp>
@@ -3242,10 +3226,9 @@
             <a:p>
               <a:pPr algn="ctr"/>
               <a:r>
-                <a:rPr lang="ko-KR" altLang="en-US" b="1" dirty="0" smtClean="0"/>
+                <a:rPr lang="ko-KR" altLang="en-US" b="1" dirty="0"/>
                 <a:t>끝내기</a:t>
               </a:r>
-              <a:endParaRPr lang="ko-KR" altLang="en-US" b="1" dirty="0"/>
             </a:p>
           </p:txBody>
         </p:sp>
@@ -3290,18 +3273,17 @@
             <a:p>
               <a:pPr algn="ctr"/>
               <a:r>
-                <a:rPr lang="ko-KR" altLang="en-US" b="1" dirty="0" smtClean="0"/>
+                <a:rPr lang="ko-KR" altLang="en-US" b="1" dirty="0"/>
                 <a:t>즐겨</a:t>
               </a:r>
-              <a:endParaRPr lang="en-US" altLang="ko-KR" b="1" dirty="0" smtClean="0"/>
+              <a:endParaRPr lang="en-US" altLang="ko-KR" b="1" dirty="0"/>
             </a:p>
             <a:p>
               <a:pPr algn="ctr"/>
               <a:r>
-                <a:rPr lang="ko-KR" altLang="en-US" b="1" dirty="0" smtClean="0"/>
+                <a:rPr lang="ko-KR" altLang="en-US" b="1" dirty="0"/>
                 <a:t>찾기</a:t>
               </a:r>
-              <a:endParaRPr lang="ko-KR" altLang="en-US" b="1" dirty="0"/>
             </a:p>
           </p:txBody>
         </p:sp>
@@ -3346,18 +3328,17 @@
             <a:p>
               <a:pPr algn="ctr"/>
               <a:r>
-                <a:rPr lang="ko-KR" altLang="en-US" b="1" dirty="0" smtClean="0"/>
+                <a:rPr lang="ko-KR" altLang="en-US" b="1" dirty="0"/>
                 <a:t>옷장</a:t>
               </a:r>
-              <a:endParaRPr lang="en-US" altLang="ko-KR" b="1" dirty="0" smtClean="0"/>
+              <a:endParaRPr lang="en-US" altLang="ko-KR" b="1" dirty="0"/>
             </a:p>
             <a:p>
               <a:pPr algn="ctr"/>
               <a:r>
-                <a:rPr lang="ko-KR" altLang="en-US" b="1" dirty="0" smtClean="0"/>
+                <a:rPr lang="ko-KR" altLang="en-US" b="1" dirty="0"/>
                 <a:t>열기</a:t>
               </a:r>
-              <a:endParaRPr lang="ko-KR" altLang="en-US" b="1" dirty="0"/>
             </a:p>
           </p:txBody>
         </p:sp>
@@ -3398,10 +3379,9 @@
             <a:p>
               <a:pPr algn="ctr"/>
               <a:r>
-                <a:rPr lang="ko-KR" altLang="en-US" sz="1400" dirty="0" smtClean="0"/>
+                <a:rPr lang="ko-KR" altLang="en-US" sz="1400" dirty="0"/>
                 <a:t>카메라</a:t>
               </a:r>
-              <a:endParaRPr lang="ko-KR" altLang="en-US" sz="1400" dirty="0"/>
             </a:p>
           </p:txBody>
         </p:sp>
@@ -3481,10 +3461,13 @@
           <a:p>
             <a:pPr algn="ctr"/>
             <a:r>
-              <a:rPr lang="en-US" altLang="ko-KR" dirty="0" smtClean="0"/>
-              <a:t>1.MENU Layer</a:t>
-            </a:r>
-            <a:endParaRPr lang="ko-KR" altLang="en-US" dirty="0"/>
+              <a:rPr lang="en-US" altLang="ko-KR" dirty="0"/>
+              <a:t>1.MENU </a:t>
+            </a:r>
+            <a:r>
+              <a:rPr lang="ko-KR" altLang="en-US" dirty="0"/>
+              <a:t>화면</a:t>
+            </a:r>
           </a:p>
         </p:txBody>
       </p:sp>
@@ -3525,7 +3508,7 @@
           <a:p>
             <a:pPr algn="ctr"/>
             <a:r>
-              <a:rPr lang="en-US" altLang="ko-KR" dirty="0" smtClean="0">
+              <a:rPr lang="en-US" altLang="ko-KR" dirty="0">
                 <a:solidFill>
                   <a:schemeClr val="bg1"/>
                 </a:solidFill>
@@ -3577,7 +3560,7 @@
           <a:p>
             <a:pPr algn="ctr"/>
             <a:r>
-              <a:rPr lang="en-US" altLang="ko-KR" dirty="0" smtClean="0">
+              <a:rPr lang="en-US" altLang="ko-KR" dirty="0">
                 <a:solidFill>
                   <a:schemeClr val="bg1"/>
                 </a:solidFill>
@@ -3629,64 +3612,12 @@
           <a:p>
             <a:pPr algn="ctr"/>
             <a:r>
-              <a:rPr lang="en-US" altLang="ko-KR" dirty="0" smtClean="0">
+              <a:rPr lang="en-US" altLang="ko-KR" dirty="0">
                 <a:solidFill>
                   <a:schemeClr val="bg1"/>
                 </a:solidFill>
               </a:rPr>
               <a:t>3</a:t>
-            </a:r>
-            <a:endParaRPr lang="ko-KR" altLang="en-US" dirty="0">
-              <a:solidFill>
-                <a:schemeClr val="bg1"/>
-              </a:solidFill>
-            </a:endParaRPr>
-          </a:p>
-        </p:txBody>
-      </p:sp>
-      <p:sp>
-        <p:nvSpPr>
-          <p:cNvPr id="21" name="타원 20"/>
-          <p:cNvSpPr/>
-          <p:nvPr/>
-        </p:nvSpPr>
-        <p:spPr>
-          <a:xfrm>
-            <a:off x="3004520" y="4430469"/>
-            <a:ext cx="329973" cy="329973"/>
-          </a:xfrm>
-          <a:prstGeom prst="ellipse">
-            <a:avLst/>
-          </a:prstGeom>
-        </p:spPr>
-        <p:style>
-          <a:lnRef idx="2">
-            <a:schemeClr val="dk1">
-              <a:shade val="50000"/>
-            </a:schemeClr>
-          </a:lnRef>
-          <a:fillRef idx="1">
-            <a:schemeClr val="dk1"/>
-          </a:fillRef>
-          <a:effectRef idx="0">
-            <a:schemeClr val="dk1"/>
-          </a:effectRef>
-          <a:fontRef idx="minor">
-            <a:schemeClr val="lt1"/>
-          </a:fontRef>
-        </p:style>
-        <p:txBody>
-          <a:bodyPr rtlCol="0" anchor="ctr"/>
-          <a:lstStyle/>
-          <a:p>
-            <a:pPr algn="ctr"/>
-            <a:r>
-              <a:rPr lang="en-US" altLang="ko-KR" dirty="0" smtClean="0">
-                <a:solidFill>
-                  <a:schemeClr val="bg1"/>
-                </a:solidFill>
-              </a:rPr>
-              <a:t>4</a:t>
             </a:r>
             <a:endParaRPr lang="ko-KR" altLang="en-US" dirty="0">
               <a:solidFill>
@@ -3705,14 +3636,14 @@
           <p:nvPr>
             <p:extLst>
               <p:ext uri="{D42A27DB-BD31-4B8C-83A1-F6EECF244321}">
-                <p14:modId xmlns:p14="http://schemas.microsoft.com/office/powerpoint/2010/main" val="2908481257"/>
+                <p14:modId xmlns:p14="http://schemas.microsoft.com/office/powerpoint/2010/main" val="4200082491"/>
               </p:ext>
             </p:extLst>
           </p:nvPr>
         </p:nvGraphicFramePr>
         <p:xfrm>
-          <a:off x="5591174" y="1011767"/>
-          <a:ext cx="5121278" cy="2080395"/>
+          <a:off x="5591173" y="1011767"/>
+          <a:ext cx="5559200" cy="1630770"/>
         </p:xfrm>
         <a:graphic>
           <a:graphicData uri="http://schemas.openxmlformats.org/drawingml/2006/table">
@@ -3721,14 +3652,14 @@
                 <a:tableStyleId>{21E4AEA4-8DFA-4A89-87EB-49C32662AFE0}</a:tableStyleId>
               </a:tblPr>
               <a:tblGrid>
-                <a:gridCol w="2560639">
+                <a:gridCol w="2779600">
                   <a:extLst>
                     <a:ext uri="{9D8B030D-6E8A-4147-A177-3AD203B41FA5}">
                       <a16:colId xmlns:a16="http://schemas.microsoft.com/office/drawing/2014/main" val="4192755501"/>
                     </a:ext>
                   </a:extLst>
                 </a:gridCol>
-                <a:gridCol w="2560639">
+                <a:gridCol w="2779600">
                   <a:extLst>
                     <a:ext uri="{9D8B030D-6E8A-4147-A177-3AD203B41FA5}">
                       <a16:colId xmlns:a16="http://schemas.microsoft.com/office/drawing/2014/main" val="2743042101"/>
@@ -3744,7 +3675,7 @@
                     <a:p>
                       <a:pPr algn="ctr" latinLnBrk="1"/>
                       <a:r>
-                        <a:rPr lang="en-US" altLang="ko-KR" dirty="0" smtClean="0"/>
+                        <a:rPr lang="en-US" altLang="ko-KR" dirty="0"/>
                         <a:t>index</a:t>
                       </a:r>
                       <a:endParaRPr lang="ko-KR" altLang="en-US" dirty="0"/>
@@ -3759,7 +3690,7 @@
                     <a:p>
                       <a:pPr algn="ctr" latinLnBrk="1"/>
                       <a:r>
-                        <a:rPr lang="en-US" altLang="ko-KR" dirty="0" smtClean="0"/>
+                        <a:rPr lang="en-US" altLang="ko-KR" dirty="0"/>
                         <a:t>description</a:t>
                       </a:r>
                       <a:endParaRPr lang="ko-KR" altLang="en-US" dirty="0"/>
@@ -3781,7 +3712,7 @@
                     <a:p>
                       <a:pPr algn="ctr" latinLnBrk="1"/>
                       <a:r>
-                        <a:rPr lang="en-US" altLang="ko-KR" dirty="0" smtClean="0"/>
+                        <a:rPr lang="en-US" altLang="ko-KR" dirty="0"/>
                         <a:t>1</a:t>
                       </a:r>
                       <a:endParaRPr lang="ko-KR" altLang="en-US" dirty="0"/>
@@ -3796,55 +3727,9 @@
                     <a:p>
                       <a:pPr algn="ctr" latinLnBrk="1"/>
                       <a:r>
-                        <a:rPr lang="en-US" altLang="ko-KR" dirty="0" smtClean="0"/>
-                        <a:t>Fitting Layer</a:t>
+                        <a:rPr lang="ko-KR" altLang="en-US" dirty="0"/>
+                        <a:t>옷장 화면으로 이동</a:t>
                       </a:r>
-                      <a:r>
-                        <a:rPr lang="ko-KR" altLang="en-US" dirty="0" smtClean="0"/>
-                        <a:t>로 이동</a:t>
-                      </a:r>
-                      <a:endParaRPr lang="ko-KR" altLang="en-US" dirty="0"/>
-                    </a:p>
-                  </a:txBody>
-                  <a:tcPr/>
-                </a:tc>
-                <a:extLst>
-                  <a:ext uri="{0D108BD9-81ED-4DB2-BD59-A6C34878D82A}">
-                    <a16:rowId xmlns:a16="http://schemas.microsoft.com/office/drawing/2014/main" val="764859865"/>
-                  </a:ext>
-                </a:extLst>
-              </a:tr>
-              <a:tr h="449625">
-                <a:tc>
-                  <a:txBody>
-                    <a:bodyPr/>
-                    <a:lstStyle/>
-                    <a:p>
-                      <a:pPr algn="ctr" latinLnBrk="1"/>
-                      <a:r>
-                        <a:rPr lang="en-US" altLang="ko-KR" dirty="0" smtClean="0"/>
-                        <a:t>2</a:t>
-                      </a:r>
-                      <a:endParaRPr lang="ko-KR" altLang="en-US" dirty="0"/>
-                    </a:p>
-                  </a:txBody>
-                  <a:tcPr/>
-                </a:tc>
-                <a:tc>
-                  <a:txBody>
-                    <a:bodyPr/>
-                    <a:lstStyle/>
-                    <a:p>
-                      <a:pPr algn="ctr" latinLnBrk="1"/>
-                      <a:r>
-                        <a:rPr lang="en-US" altLang="ko-KR" dirty="0" smtClean="0"/>
-                        <a:t>Closet Layer</a:t>
-                      </a:r>
-                      <a:r>
-                        <a:rPr lang="ko-KR" altLang="en-US" dirty="0" smtClean="0"/>
-                        <a:t>로 이동</a:t>
-                      </a:r>
-                      <a:endParaRPr lang="ko-KR" altLang="en-US" dirty="0"/>
                     </a:p>
                   </a:txBody>
                   <a:tcPr/>
@@ -3863,8 +3748,8 @@
                     <a:p>
                       <a:pPr algn="ctr" latinLnBrk="1"/>
                       <a:r>
-                        <a:rPr lang="en-US" altLang="ko-KR" dirty="0" smtClean="0"/>
-                        <a:t>3</a:t>
+                        <a:rPr lang="en-US" altLang="ko-KR" dirty="0"/>
+                        <a:t>2</a:t>
                       </a:r>
                       <a:endParaRPr lang="ko-KR" altLang="en-US" dirty="0"/>
                     </a:p>
@@ -3878,14 +3763,13 @@
                     <a:p>
                       <a:pPr algn="ctr" latinLnBrk="1"/>
                       <a:r>
-                        <a:rPr lang="en-US" altLang="ko-KR" dirty="0" smtClean="0"/>
-                        <a:t>Favorite Layer</a:t>
+                        <a:rPr lang="ko-KR" altLang="en-US" dirty="0" err="1"/>
+                        <a:t>즐겨찾기</a:t>
                       </a:r>
                       <a:r>
-                        <a:rPr lang="ko-KR" altLang="en-US" dirty="0" smtClean="0"/>
-                        <a:t>로 이동</a:t>
+                        <a:rPr lang="ko-KR" altLang="en-US" dirty="0"/>
+                        <a:t> 화면으로 이동</a:t>
                       </a:r>
-                      <a:endParaRPr lang="ko-KR" altLang="en-US" dirty="0"/>
                     </a:p>
                   </a:txBody>
                   <a:tcPr/>
@@ -3904,8 +3788,8 @@
                     <a:p>
                       <a:pPr algn="ctr" latinLnBrk="1"/>
                       <a:r>
-                        <a:rPr lang="en-US" altLang="ko-KR" dirty="0" smtClean="0"/>
-                        <a:t>4</a:t>
+                        <a:rPr lang="en-US" altLang="ko-KR" dirty="0"/>
+                        <a:t>3</a:t>
                       </a:r>
                       <a:endParaRPr lang="ko-KR" altLang="en-US" dirty="0"/>
                     </a:p>
@@ -3919,10 +3803,9 @@
                     <a:p>
                       <a:pPr algn="ctr" latinLnBrk="1"/>
                       <a:r>
-                        <a:rPr lang="ko-KR" altLang="en-US" dirty="0" smtClean="0"/>
+                        <a:rPr lang="ko-KR" altLang="en-US" dirty="0"/>
                         <a:t>프로그램 종료</a:t>
                       </a:r>
-                      <a:endParaRPr lang="ko-KR" altLang="en-US" dirty="0"/>
                     </a:p>
                   </a:txBody>
                   <a:tcPr/>
@@ -3967,127 +3850,38 @@
           <a:chExt cx="0" cy="0"/>
         </a:xfrm>
       </p:grpSpPr>
-      <p:pic>
-        <p:nvPicPr>
-          <p:cNvPr id="1026" name="Picture 2" descr="ë°©ì ëí ì´ë¯¸ì§ ê²ìê²°ê³¼"/>
-          <p:cNvPicPr>
-            <a:picLocks noChangeArrowheads="1"/>
-          </p:cNvPicPr>
-          <p:nvPr/>
-        </p:nvPicPr>
-        <p:blipFill>
-          <a:blip r:embed="rId2">
+      <p:sp>
+        <p:nvSpPr>
+          <p:cNvPr id="4" name="직사각형 3">
             <a:extLst>
-              <a:ext uri="{BEBA8EAE-BF5A-486C-A8C5-ECC9F3942E4B}">
-                <a14:imgProps xmlns:a14="http://schemas.microsoft.com/office/drawing/2010/main">
-                  <a14:imgLayer r:embed="rId3">
-                    <a14:imgEffect>
-                      <a14:sharpenSoften amount="-53000"/>
-                    </a14:imgEffect>
-                  </a14:imgLayer>
-                </a14:imgProps>
-              </a:ext>
-              <a:ext uri="{28A0092B-C50C-407E-A947-70E740481C1C}">
-                <a14:useLocalDpi xmlns:a14="http://schemas.microsoft.com/office/drawing/2010/main" val="0"/>
+              <a:ext uri="{FF2B5EF4-FFF2-40B4-BE49-F238E27FC236}">
+                <a16:creationId xmlns:a16="http://schemas.microsoft.com/office/drawing/2014/main" id="{235E12C1-808F-480B-A6C7-066E0E60151B}"/>
               </a:ext>
             </a:extLst>
-          </a:blip>
-          <a:srcRect/>
-          <a:stretch>
-            <a:fillRect/>
-          </a:stretch>
-        </p:blipFill>
-        <p:spPr bwMode="auto">
-          <a:xfrm>
-            <a:off x="527222" y="1919416"/>
-            <a:ext cx="4118592" cy="4464908"/>
-          </a:xfrm>
-          <a:prstGeom prst="rect">
-            <a:avLst/>
-          </a:prstGeom>
-          <a:noFill/>
-        </p:spPr>
-      </p:pic>
-      <p:sp>
-        <p:nvSpPr>
-          <p:cNvPr id="4" name="직사각형 3"/>
+          </p:cNvPr>
           <p:cNvSpPr/>
           <p:nvPr/>
         </p:nvSpPr>
         <p:spPr>
           <a:xfrm>
-            <a:off x="527222" y="378941"/>
-            <a:ext cx="4102443" cy="6005383"/>
+            <a:off x="675502" y="601935"/>
+            <a:ext cx="848498" cy="354227"/>
           </a:xfrm>
           <a:prstGeom prst="rect">
             <a:avLst/>
           </a:prstGeom>
-          <a:noFill/>
-          <a:ln w="9525" cap="flat" cmpd="sng" algn="ctr">
-            <a:solidFill>
-              <a:schemeClr val="accent4"/>
-            </a:solidFill>
-            <a:prstDash val="solid"/>
-            <a:round/>
-            <a:headEnd type="none" w="med" len="med"/>
-            <a:tailEnd type="none" w="med" len="med"/>
-          </a:ln>
         </p:spPr>
         <p:style>
-          <a:lnRef idx="0">
-            <a:scrgbClr r="0" g="0" b="0"/>
+          <a:lnRef idx="2">
+            <a:schemeClr val="accent3">
+              <a:shade val="50000"/>
+            </a:schemeClr>
           </a:lnRef>
-          <a:fillRef idx="0">
-            <a:scrgbClr r="0" g="0" b="0"/>
+          <a:fillRef idx="1">
+            <a:schemeClr val="accent3"/>
           </a:fillRef>
           <a:effectRef idx="0">
-            <a:scrgbClr r="0" g="0" b="0"/>
-          </a:effectRef>
-          <a:fontRef idx="minor">
-            <a:schemeClr val="accent4"/>
-          </a:fontRef>
-        </p:style>
-        <p:txBody>
-          <a:bodyPr rtlCol="0" anchor="ctr"/>
-          <a:lstStyle/>
-          <a:p>
-            <a:pPr algn="ctr"/>
-            <a:endParaRPr lang="ko-KR" altLang="en-US"/>
-          </a:p>
-        </p:txBody>
-      </p:sp>
-      <p:sp>
-        <p:nvSpPr>
-          <p:cNvPr id="5" name="직사각형 4"/>
-          <p:cNvSpPr/>
-          <p:nvPr/>
-        </p:nvSpPr>
-        <p:spPr>
-          <a:xfrm>
-            <a:off x="527222" y="378941"/>
-            <a:ext cx="4102443" cy="1540475"/>
-          </a:xfrm>
-          <a:prstGeom prst="rect">
-            <a:avLst/>
-          </a:prstGeom>
-          <a:solidFill>
-            <a:schemeClr val="accent4">
-              <a:alpha val="50000"/>
-            </a:schemeClr>
-          </a:solidFill>
-          <a:ln>
-            <a:noFill/>
-          </a:ln>
-        </p:spPr>
-        <p:style>
-          <a:lnRef idx="0">
-            <a:scrgbClr r="0" g="0" b="0"/>
-          </a:lnRef>
-          <a:fillRef idx="0">
-            <a:scrgbClr r="0" g="0" b="0"/>
-          </a:fillRef>
-          <a:effectRef idx="0">
-            <a:scrgbClr r="0" g="0" b="0"/>
+            <a:schemeClr val="accent3"/>
           </a:effectRef>
           <a:fontRef idx="minor">
             <a:schemeClr val="lt1"/>
@@ -4098,282 +3892,86 @@
           <a:lstStyle/>
           <a:p>
             <a:pPr algn="ctr"/>
-            <a:endParaRPr lang="ko-KR" altLang="en-US"/>
+            <a:r>
+              <a:rPr lang="ko-KR" altLang="en-US" sz="1400" dirty="0"/>
+              <a:t>카메라</a:t>
+            </a:r>
           </a:p>
         </p:txBody>
       </p:sp>
-      <p:pic>
-        <p:nvPicPr>
-          <p:cNvPr id="16" name="그림 15"/>
-          <p:cNvPicPr>
-            <a:picLocks noChangeAspect="1"/>
-          </p:cNvPicPr>
-          <p:nvPr/>
-        </p:nvPicPr>
-        <p:blipFill>
-          <a:blip r:embed="rId4">
+      <p:sp>
+        <p:nvSpPr>
+          <p:cNvPr id="5" name="타원 4">
             <a:extLst>
-              <a:ext uri="{28A0092B-C50C-407E-A947-70E740481C1C}">
-                <a14:useLocalDpi xmlns:a14="http://schemas.microsoft.com/office/drawing/2010/main" val="0"/>
+              <a:ext uri="{FF2B5EF4-FFF2-40B4-BE49-F238E27FC236}">
+                <a16:creationId xmlns:a16="http://schemas.microsoft.com/office/drawing/2014/main" id="{B4731EE4-1FB8-43B2-80B8-5846F3A40F90}"/>
               </a:ext>
             </a:extLst>
-          </a:blip>
-          <a:stretch>
-            <a:fillRect/>
-          </a:stretch>
-        </p:blipFill>
-        <p:spPr>
-          <a:xfrm>
-            <a:off x="1143283" y="3051179"/>
-            <a:ext cx="2886469" cy="2886469"/>
-          </a:xfrm>
-          <a:prstGeom prst="rect">
-            <a:avLst/>
-          </a:prstGeom>
-        </p:spPr>
-      </p:pic>
-      <p:sp>
-        <p:nvSpPr>
-          <p:cNvPr id="17" name="TextBox 16"/>
-          <p:cNvSpPr txBox="1"/>
-          <p:nvPr/>
-        </p:nvSpPr>
-        <p:spPr>
-          <a:xfrm>
-            <a:off x="2273499" y="3219000"/>
-            <a:ext cx="651140" cy="369332"/>
-          </a:xfrm>
-          <a:prstGeom prst="rect">
-            <a:avLst/>
-          </a:prstGeom>
-          <a:noFill/>
-        </p:spPr>
-        <p:txBody>
-          <a:bodyPr wrap="none" rtlCol="0">
-            <a:spAutoFit/>
-          </a:bodyPr>
-          <a:lstStyle/>
-          <a:p>
-            <a:r>
-              <a:rPr lang="en-US" altLang="ko-KR" b="1" dirty="0" smtClean="0">
-                <a:solidFill>
-                  <a:schemeClr val="bg1"/>
-                </a:solidFill>
-              </a:rPr>
-              <a:t>user</a:t>
-            </a:r>
-            <a:endParaRPr lang="ko-KR" altLang="en-US" b="1" dirty="0">
-              <a:solidFill>
-                <a:schemeClr val="bg1"/>
-              </a:solidFill>
-            </a:endParaRPr>
-          </a:p>
-        </p:txBody>
-      </p:sp>
-      <p:grpSp>
-        <p:nvGrpSpPr>
-          <p:cNvPr id="38" name="그룹 37"/>
-          <p:cNvGrpSpPr/>
-          <p:nvPr/>
-        </p:nvGrpSpPr>
-        <p:grpSpPr>
-          <a:xfrm>
-            <a:off x="3445849" y="3701667"/>
-            <a:ext cx="3962965" cy="616945"/>
-            <a:chOff x="3445849" y="3701667"/>
-            <a:chExt cx="3962965" cy="616945"/>
-          </a:xfrm>
-        </p:grpSpPr>
-        <p:sp>
-          <p:nvSpPr>
-            <p:cNvPr id="22" name="타원 21"/>
-            <p:cNvSpPr/>
-            <p:nvPr/>
-          </p:nvSpPr>
-          <p:spPr>
-            <a:xfrm>
-              <a:off x="3445849" y="3701667"/>
-              <a:ext cx="622928" cy="616945"/>
-            </a:xfrm>
-            <a:prstGeom prst="ellipse">
-              <a:avLst/>
-            </a:prstGeom>
-            <a:noFill/>
-            <a:ln w="28575" cap="flat" cmpd="sng" algn="ctr">
-              <a:solidFill>
-                <a:schemeClr val="accent2"/>
-              </a:solidFill>
-              <a:prstDash val="solid"/>
-              <a:round/>
-              <a:headEnd type="none" w="med" len="med"/>
-              <a:tailEnd type="none" w="med" len="med"/>
-            </a:ln>
-          </p:spPr>
-          <p:style>
-            <a:lnRef idx="0">
-              <a:scrgbClr r="0" g="0" b="0"/>
-            </a:lnRef>
-            <a:fillRef idx="0">
-              <a:scrgbClr r="0" g="0" b="0"/>
-            </a:fillRef>
-            <a:effectRef idx="0">
-              <a:scrgbClr r="0" g="0" b="0"/>
-            </a:effectRef>
-            <a:fontRef idx="minor">
-              <a:schemeClr val="accent2"/>
-            </a:fontRef>
-          </p:style>
-          <p:txBody>
-            <a:bodyPr rtlCol="0" anchor="ctr"/>
-            <a:lstStyle/>
-            <a:p>
-              <a:pPr algn="ctr"/>
-              <a:endParaRPr lang="ko-KR" altLang="en-US"/>
-            </a:p>
-          </p:txBody>
-        </p:sp>
-        <p:sp>
-          <p:nvSpPr>
-            <p:cNvPr id="24" name="타원 23"/>
-            <p:cNvSpPr/>
-            <p:nvPr/>
-          </p:nvSpPr>
-          <p:spPr>
-            <a:xfrm>
-              <a:off x="3752286" y="3987279"/>
-              <a:ext cx="45719" cy="45719"/>
-            </a:xfrm>
-            <a:prstGeom prst="ellipse">
-              <a:avLst/>
-            </a:prstGeom>
-            <a:noFill/>
-            <a:ln w="28575" cap="flat" cmpd="sng" algn="ctr">
-              <a:solidFill>
-                <a:schemeClr val="accent2"/>
-              </a:solidFill>
-              <a:prstDash val="solid"/>
-              <a:round/>
-              <a:headEnd type="none" w="med" len="med"/>
-              <a:tailEnd type="none" w="med" len="med"/>
-            </a:ln>
-          </p:spPr>
-          <p:style>
-            <a:lnRef idx="0">
-              <a:scrgbClr r="0" g="0" b="0"/>
-            </a:lnRef>
-            <a:fillRef idx="0">
-              <a:scrgbClr r="0" g="0" b="0"/>
-            </a:fillRef>
-            <a:effectRef idx="0">
-              <a:scrgbClr r="0" g="0" b="0"/>
-            </a:effectRef>
-            <a:fontRef idx="minor">
-              <a:schemeClr val="accent2"/>
-            </a:fontRef>
-          </p:style>
-          <p:txBody>
-            <a:bodyPr rtlCol="0" anchor="ctr"/>
-            <a:lstStyle/>
-            <a:p>
-              <a:pPr algn="ctr"/>
-              <a:endParaRPr lang="ko-KR" altLang="en-US"/>
-            </a:p>
-          </p:txBody>
-        </p:sp>
-        <p:cxnSp>
-          <p:nvCxnSpPr>
-            <p:cNvPr id="25" name="직선 화살표 연결선 24"/>
-            <p:cNvCxnSpPr/>
-            <p:nvPr/>
-          </p:nvCxnSpPr>
-          <p:spPr>
-            <a:xfrm flipH="1" flipV="1">
-              <a:off x="3798006" y="4010964"/>
-              <a:ext cx="1154245" cy="22034"/>
-            </a:xfrm>
-            <a:prstGeom prst="straightConnector1">
-              <a:avLst/>
-            </a:prstGeom>
-            <a:ln>
-              <a:tailEnd type="triangle"/>
-            </a:ln>
-          </p:spPr>
-          <p:style>
-            <a:lnRef idx="1">
-              <a:schemeClr val="accent2"/>
-            </a:lnRef>
-            <a:fillRef idx="0">
-              <a:schemeClr val="accent2"/>
-            </a:fillRef>
-            <a:effectRef idx="0">
-              <a:schemeClr val="accent2"/>
-            </a:effectRef>
-            <a:fontRef idx="minor">
-              <a:schemeClr val="tx1"/>
-            </a:fontRef>
-          </p:style>
-        </p:cxnSp>
-        <p:sp>
-          <p:nvSpPr>
-            <p:cNvPr id="28" name="TextBox 27"/>
-            <p:cNvSpPr txBox="1"/>
-            <p:nvPr/>
-          </p:nvSpPr>
-          <p:spPr>
-            <a:xfrm>
-              <a:off x="4954872" y="3848332"/>
-              <a:ext cx="2453942" cy="369332"/>
-            </a:xfrm>
-            <a:prstGeom prst="rect">
-              <a:avLst/>
-            </a:prstGeom>
-            <a:noFill/>
-            <a:ln>
-              <a:solidFill>
-                <a:schemeClr val="accent2"/>
-              </a:solidFill>
-            </a:ln>
-          </p:spPr>
-          <p:txBody>
-            <a:bodyPr wrap="none" rtlCol="0">
-              <a:spAutoFit/>
-            </a:bodyPr>
-            <a:lstStyle/>
-            <a:p>
-              <a:r>
-                <a:rPr lang="en-US" altLang="ko-KR" dirty="0" smtClean="0"/>
-                <a:t>Hand Recognition UI </a:t>
-              </a:r>
-              <a:endParaRPr lang="ko-KR" altLang="en-US" dirty="0"/>
-            </a:p>
-          </p:txBody>
-        </p:sp>
-      </p:grpSp>
-      <p:sp>
-        <p:nvSpPr>
-          <p:cNvPr id="30" name="직사각형 29"/>
+          </p:cNvPr>
           <p:cNvSpPr/>
           <p:nvPr/>
         </p:nvSpPr>
         <p:spPr>
           <a:xfrm>
-            <a:off x="527222" y="378941"/>
-            <a:ext cx="661620" cy="1540475"/>
+            <a:off x="1371600" y="622530"/>
+            <a:ext cx="304800" cy="313036"/>
+          </a:xfrm>
+          <a:prstGeom prst="ellipse">
+            <a:avLst/>
+          </a:prstGeom>
+        </p:spPr>
+        <p:style>
+          <a:lnRef idx="1">
+            <a:schemeClr val="accent3"/>
+          </a:lnRef>
+          <a:fillRef idx="2">
+            <a:schemeClr val="accent3"/>
+          </a:fillRef>
+          <a:effectRef idx="1">
+            <a:schemeClr val="accent3"/>
+          </a:effectRef>
+          <a:fontRef idx="minor">
+            <a:schemeClr val="dk1"/>
+          </a:fontRef>
+        </p:style>
+        <p:txBody>
+          <a:bodyPr rtlCol="0" anchor="ctr"/>
+          <a:lstStyle/>
+          <a:p>
+            <a:pPr algn="ctr"/>
+            <a:endParaRPr lang="ko-KR" altLang="en-US"/>
+          </a:p>
+        </p:txBody>
+      </p:sp>
+      <p:sp>
+        <p:nvSpPr>
+          <p:cNvPr id="6" name="직사각형 5">
+            <a:extLst>
+              <a:ext uri="{FF2B5EF4-FFF2-40B4-BE49-F238E27FC236}">
+                <a16:creationId xmlns:a16="http://schemas.microsoft.com/office/drawing/2014/main" id="{611046EF-667A-405E-9EBF-4CCE20D9B9ED}"/>
+              </a:ext>
+            </a:extLst>
+          </p:cNvPr>
+          <p:cNvSpPr/>
+          <p:nvPr/>
+        </p:nvSpPr>
+        <p:spPr>
+          <a:xfrm>
+            <a:off x="675503" y="1169423"/>
+            <a:ext cx="3160774" cy="4726880"/>
           </a:xfrm>
           <a:prstGeom prst="rect">
             <a:avLst/>
           </a:prstGeom>
         </p:spPr>
         <p:style>
-          <a:lnRef idx="2">
-            <a:schemeClr val="accent4">
-              <a:shade val="50000"/>
-            </a:schemeClr>
+          <a:lnRef idx="3">
+            <a:schemeClr val="lt1"/>
           </a:lnRef>
           <a:fillRef idx="1">
             <a:schemeClr val="accent4"/>
           </a:fillRef>
-          <a:effectRef idx="0">
+          <a:effectRef idx="1">
             <a:schemeClr val="accent4"/>
           </a:effectRef>
           <a:fontRef idx="minor">
@@ -4385,185 +3983,42 @@
           <a:lstStyle/>
           <a:p>
             <a:pPr algn="ctr"/>
-            <a:endParaRPr lang="ko-KR" altLang="en-US" dirty="0"/>
+            <a:endParaRPr lang="ko-KR" altLang="en-US"/>
           </a:p>
         </p:txBody>
       </p:sp>
       <p:sp>
         <p:nvSpPr>
-          <p:cNvPr id="33" name="직사각형 32"/>
+          <p:cNvPr id="7" name="사각형: 둥근 모서리 6">
+            <a:extLst>
+              <a:ext uri="{FF2B5EF4-FFF2-40B4-BE49-F238E27FC236}">
+                <a16:creationId xmlns:a16="http://schemas.microsoft.com/office/drawing/2014/main" id="{A638DB68-FC44-4CFC-ACFB-B95446CA87CF}"/>
+              </a:ext>
+            </a:extLst>
+          </p:cNvPr>
           <p:cNvSpPr/>
           <p:nvPr/>
         </p:nvSpPr>
         <p:spPr>
           <a:xfrm>
-            <a:off x="3975276" y="378940"/>
-            <a:ext cx="661620" cy="1540475"/>
+            <a:off x="1396119" y="2622874"/>
+            <a:ext cx="1648512" cy="789543"/>
           </a:xfrm>
-          <a:prstGeom prst="rect">
-            <a:avLst/>
-          </a:prstGeom>
-        </p:spPr>
-        <p:style>
-          <a:lnRef idx="2">
-            <a:schemeClr val="accent4">
-              <a:shade val="50000"/>
-            </a:schemeClr>
-          </a:lnRef>
-          <a:fillRef idx="1">
-            <a:schemeClr val="accent4"/>
-          </a:fillRef>
-          <a:effectRef idx="0">
-            <a:schemeClr val="accent4"/>
-          </a:effectRef>
-          <a:fontRef idx="minor">
-            <a:schemeClr val="lt1"/>
-          </a:fontRef>
-        </p:style>
-        <p:txBody>
-          <a:bodyPr rtlCol="0" anchor="ctr"/>
-          <a:lstStyle/>
-          <a:p>
-            <a:pPr algn="ctr"/>
-            <a:endParaRPr lang="ko-KR" altLang="en-US" dirty="0"/>
-          </a:p>
-        </p:txBody>
-      </p:sp>
-      <p:grpSp>
-        <p:nvGrpSpPr>
-          <p:cNvPr id="35" name="그룹 34"/>
-          <p:cNvGrpSpPr/>
-          <p:nvPr/>
-        </p:nvGrpSpPr>
-        <p:grpSpPr>
-          <a:xfrm>
-            <a:off x="632176" y="845072"/>
-            <a:ext cx="465104" cy="663688"/>
-            <a:chOff x="647416" y="845072"/>
-            <a:chExt cx="465104" cy="663688"/>
-          </a:xfrm>
-        </p:grpSpPr>
-        <p:sp>
-          <p:nvSpPr>
-            <p:cNvPr id="31" name="등호 30"/>
-            <p:cNvSpPr/>
-            <p:nvPr/>
-          </p:nvSpPr>
-          <p:spPr>
-            <a:xfrm>
-              <a:off x="647416" y="845072"/>
-              <a:ext cx="462534" cy="441992"/>
-            </a:xfrm>
-            <a:prstGeom prst="mathEqual">
-              <a:avLst/>
-            </a:prstGeom>
-            <a:solidFill>
-              <a:schemeClr val="bg1"/>
-            </a:solidFill>
-            <a:ln>
-              <a:solidFill>
-                <a:schemeClr val="bg1"/>
-              </a:solidFill>
-            </a:ln>
-          </p:spPr>
-          <p:style>
-            <a:lnRef idx="2">
-              <a:schemeClr val="accent1">
-                <a:shade val="50000"/>
-              </a:schemeClr>
-            </a:lnRef>
-            <a:fillRef idx="1">
-              <a:schemeClr val="accent1"/>
-            </a:fillRef>
-            <a:effectRef idx="0">
-              <a:schemeClr val="accent1"/>
-            </a:effectRef>
-            <a:fontRef idx="minor">
-              <a:schemeClr val="lt1"/>
-            </a:fontRef>
-          </p:style>
-          <p:txBody>
-            <a:bodyPr rtlCol="0" anchor="ctr"/>
-            <a:lstStyle/>
-            <a:p>
-              <a:pPr algn="ctr"/>
-              <a:endParaRPr lang="ko-KR" altLang="en-US">
-                <a:solidFill>
-                  <a:schemeClr val="tx1"/>
-                </a:solidFill>
-              </a:endParaRPr>
-            </a:p>
-          </p:txBody>
-        </p:sp>
-        <p:sp>
-          <p:nvSpPr>
-            <p:cNvPr id="34" name="뺄셈 기호 33"/>
-            <p:cNvSpPr/>
-            <p:nvPr/>
-          </p:nvSpPr>
-          <p:spPr>
-            <a:xfrm>
-              <a:off x="650424" y="1090188"/>
-              <a:ext cx="462096" cy="418572"/>
-            </a:xfrm>
-            <a:prstGeom prst="mathMinus">
-              <a:avLst/>
-            </a:prstGeom>
-            <a:solidFill>
-              <a:schemeClr val="bg1"/>
-            </a:solidFill>
-            <a:ln>
-              <a:solidFill>
-                <a:schemeClr val="bg1"/>
-              </a:solidFill>
-            </a:ln>
-          </p:spPr>
-          <p:style>
-            <a:lnRef idx="2">
-              <a:schemeClr val="accent1">
-                <a:shade val="50000"/>
-              </a:schemeClr>
-            </a:lnRef>
-            <a:fillRef idx="1">
-              <a:schemeClr val="accent1"/>
-            </a:fillRef>
-            <a:effectRef idx="0">
-              <a:schemeClr val="accent1"/>
-            </a:effectRef>
-            <a:fontRef idx="minor">
-              <a:schemeClr val="lt1"/>
-            </a:fontRef>
-          </p:style>
-          <p:txBody>
-            <a:bodyPr rtlCol="0" anchor="ctr"/>
-            <a:lstStyle/>
-            <a:p>
-              <a:pPr algn="ctr"/>
-              <a:endParaRPr lang="ko-KR" altLang="en-US"/>
-            </a:p>
-          </p:txBody>
-        </p:sp>
-      </p:grpSp>
-      <p:sp>
-        <p:nvSpPr>
-          <p:cNvPr id="36" name="포인트가 5개인 별 35"/>
-          <p:cNvSpPr/>
-          <p:nvPr/>
-        </p:nvSpPr>
-        <p:spPr>
-          <a:xfrm>
-            <a:off x="4085443" y="920348"/>
-            <a:ext cx="492947" cy="487680"/>
-          </a:xfrm>
-          <a:prstGeom prst="star5">
-            <a:avLst/>
+          <a:prstGeom prst="roundRect">
+            <a:avLst>
+              <a:gd name="adj" fmla="val 50000"/>
+            </a:avLst>
           </a:prstGeom>
           <a:solidFill>
-            <a:schemeClr val="bg1"/>
+            <a:schemeClr val="bg1">
+              <a:alpha val="51000"/>
+            </a:schemeClr>
           </a:solidFill>
           <a:ln>
             <a:solidFill>
-              <a:schemeClr val="bg1"/>
+              <a:schemeClr val="accent4">
+                <a:lumMod val="75000"/>
+              </a:schemeClr>
             </a:solidFill>
           </a:ln>
         </p:spPr>
@@ -4588,566 +4043,381 @@
           <a:lstStyle/>
           <a:p>
             <a:pPr algn="ctr"/>
-            <a:endParaRPr lang="ko-KR" altLang="en-US"/>
-          </a:p>
-        </p:txBody>
-      </p:sp>
-      <p:grpSp>
-        <p:nvGrpSpPr>
-          <p:cNvPr id="37" name="그룹 36"/>
-          <p:cNvGrpSpPr/>
-          <p:nvPr/>
-        </p:nvGrpSpPr>
-        <p:grpSpPr>
-          <a:xfrm>
-            <a:off x="1099215" y="404456"/>
-            <a:ext cx="3121962" cy="2251437"/>
-            <a:chOff x="1099215" y="404456"/>
-            <a:chExt cx="3121962" cy="2251437"/>
-          </a:xfrm>
-        </p:grpSpPr>
-        <p:grpSp>
-          <p:nvGrpSpPr>
-            <p:cNvPr id="29" name="그룹 28"/>
-            <p:cNvGrpSpPr/>
-            <p:nvPr/>
-          </p:nvGrpSpPr>
-          <p:grpSpPr>
-            <a:xfrm>
-              <a:off x="1099215" y="404456"/>
-              <a:ext cx="3121962" cy="2143930"/>
-              <a:chOff x="630324" y="378933"/>
-              <a:chExt cx="4075316" cy="2284095"/>
-            </a:xfrm>
-          </p:grpSpPr>
-          <p:pic>
-            <p:nvPicPr>
-              <p:cNvPr id="11" name="그림 10"/>
-              <p:cNvPicPr>
-                <a:picLocks noChangeAspect="1"/>
-              </p:cNvPicPr>
-              <p:nvPr/>
-            </p:nvPicPr>
-            <p:blipFill>
-              <a:blip r:embed="rId5" cstate="print">
-                <a:extLst>
-                  <a:ext uri="{28A0092B-C50C-407E-A947-70E740481C1C}">
-                    <a14:useLocalDpi xmlns:a14="http://schemas.microsoft.com/office/drawing/2010/main" val="0"/>
-                  </a:ext>
-                </a:extLst>
-              </a:blip>
-              <a:stretch>
-                <a:fillRect/>
-              </a:stretch>
-            </p:blipFill>
-            <p:spPr>
-              <a:xfrm>
-                <a:off x="630324" y="378941"/>
-                <a:ext cx="1110114" cy="667265"/>
-              </a:xfrm>
-              <a:prstGeom prst="rect">
-                <a:avLst/>
-              </a:prstGeom>
-            </p:spPr>
-          </p:pic>
-          <p:pic>
-            <p:nvPicPr>
-              <p:cNvPr id="12" name="그림 11"/>
-              <p:cNvPicPr>
-                <a:picLocks noChangeAspect="1"/>
-              </p:cNvPicPr>
-              <p:nvPr/>
-            </p:nvPicPr>
-            <p:blipFill>
-              <a:blip r:embed="rId5" cstate="print">
-                <a:extLst>
-                  <a:ext uri="{28A0092B-C50C-407E-A947-70E740481C1C}">
-                    <a14:useLocalDpi xmlns:a14="http://schemas.microsoft.com/office/drawing/2010/main" val="0"/>
-                  </a:ext>
-                </a:extLst>
-              </a:blip>
-              <a:stretch>
-                <a:fillRect/>
-              </a:stretch>
-            </p:blipFill>
-            <p:spPr>
-              <a:xfrm>
-                <a:off x="1310429" y="378937"/>
-                <a:ext cx="1110114" cy="667265"/>
-              </a:xfrm>
-              <a:prstGeom prst="rect">
-                <a:avLst/>
-              </a:prstGeom>
-            </p:spPr>
-          </p:pic>
-          <p:pic>
-            <p:nvPicPr>
-              <p:cNvPr id="13" name="그림 12"/>
-              <p:cNvPicPr>
-                <a:picLocks noChangeAspect="1"/>
-              </p:cNvPicPr>
-              <p:nvPr/>
-            </p:nvPicPr>
-            <p:blipFill>
-              <a:blip r:embed="rId5" cstate="print">
-                <a:extLst>
-                  <a:ext uri="{28A0092B-C50C-407E-A947-70E740481C1C}">
-                    <a14:useLocalDpi xmlns:a14="http://schemas.microsoft.com/office/drawing/2010/main" val="0"/>
-                  </a:ext>
-                </a:extLst>
-              </a:blip>
-              <a:stretch>
-                <a:fillRect/>
-              </a:stretch>
-            </p:blipFill>
-            <p:spPr>
-              <a:xfrm>
-                <a:off x="2032815" y="378933"/>
-                <a:ext cx="1110114" cy="667265"/>
-              </a:xfrm>
-              <a:prstGeom prst="rect">
-                <a:avLst/>
-              </a:prstGeom>
-            </p:spPr>
-          </p:pic>
-          <p:pic>
-            <p:nvPicPr>
-              <p:cNvPr id="14" name="그림 13"/>
-              <p:cNvPicPr>
-                <a:picLocks noChangeAspect="1"/>
-              </p:cNvPicPr>
-              <p:nvPr/>
-            </p:nvPicPr>
-            <p:blipFill>
-              <a:blip r:embed="rId5" cstate="print">
-                <a:extLst>
-                  <a:ext uri="{28A0092B-C50C-407E-A947-70E740481C1C}">
-                    <a14:useLocalDpi xmlns:a14="http://schemas.microsoft.com/office/drawing/2010/main" val="0"/>
-                  </a:ext>
-                </a:extLst>
-              </a:blip>
-              <a:stretch>
-                <a:fillRect/>
-              </a:stretch>
-            </p:blipFill>
-            <p:spPr>
-              <a:xfrm>
-                <a:off x="2806011" y="378937"/>
-                <a:ext cx="1110114" cy="667265"/>
-              </a:xfrm>
-              <a:prstGeom prst="rect">
-                <a:avLst/>
-              </a:prstGeom>
-            </p:spPr>
-          </p:pic>
-          <p:pic>
-            <p:nvPicPr>
-              <p:cNvPr id="15" name="그림 14"/>
-              <p:cNvPicPr>
-                <a:picLocks noChangeAspect="1"/>
-              </p:cNvPicPr>
-              <p:nvPr/>
-            </p:nvPicPr>
-            <p:blipFill>
-              <a:blip r:embed="rId5" cstate="print">
-                <a:extLst>
-                  <a:ext uri="{28A0092B-C50C-407E-A947-70E740481C1C}">
-                    <a14:useLocalDpi xmlns:a14="http://schemas.microsoft.com/office/drawing/2010/main" val="0"/>
-                  </a:ext>
-                </a:extLst>
-              </a:blip>
-              <a:stretch>
-                <a:fillRect/>
-              </a:stretch>
-            </p:blipFill>
-            <p:spPr>
-              <a:xfrm>
-                <a:off x="3506356" y="378939"/>
-                <a:ext cx="1110114" cy="667265"/>
-              </a:xfrm>
-              <a:prstGeom prst="rect">
-                <a:avLst/>
-              </a:prstGeom>
-            </p:spPr>
-          </p:pic>
-          <p:pic>
-            <p:nvPicPr>
-              <p:cNvPr id="10" name="그림 9"/>
-              <p:cNvPicPr>
-                <a:picLocks noChangeAspect="1"/>
-              </p:cNvPicPr>
-              <p:nvPr/>
-            </p:nvPicPr>
-            <p:blipFill>
-              <a:blip r:embed="rId6">
-                <a:extLst>
-                  <a:ext uri="{28A0092B-C50C-407E-A947-70E740481C1C}">
-                    <a14:useLocalDpi xmlns:a14="http://schemas.microsoft.com/office/drawing/2010/main" val="0"/>
-                  </a:ext>
-                </a:extLst>
-              </a:blip>
-              <a:stretch>
-                <a:fillRect/>
-              </a:stretch>
-            </p:blipFill>
-            <p:spPr>
-              <a:xfrm>
-                <a:off x="747320" y="767092"/>
-                <a:ext cx="814171" cy="1895936"/>
-              </a:xfrm>
-              <a:prstGeom prst="rect">
-                <a:avLst/>
-              </a:prstGeom>
-            </p:spPr>
-          </p:pic>
-          <p:pic>
-            <p:nvPicPr>
-              <p:cNvPr id="9" name="그림 8"/>
-              <p:cNvPicPr>
-                <a:picLocks noChangeAspect="1"/>
-              </p:cNvPicPr>
-              <p:nvPr/>
-            </p:nvPicPr>
-            <p:blipFill>
-              <a:blip r:embed="rId7">
-                <a:extLst>
-                  <a:ext uri="{28A0092B-C50C-407E-A947-70E740481C1C}">
-                    <a14:useLocalDpi xmlns:a14="http://schemas.microsoft.com/office/drawing/2010/main" val="0"/>
-                  </a:ext>
-                </a:extLst>
-              </a:blip>
-              <a:stretch>
-                <a:fillRect/>
-              </a:stretch>
-            </p:blipFill>
-            <p:spPr>
-              <a:xfrm>
-                <a:off x="1010823" y="848355"/>
-                <a:ext cx="1565195" cy="1245265"/>
-              </a:xfrm>
-              <a:prstGeom prst="rect">
-                <a:avLst/>
-              </a:prstGeom>
-            </p:spPr>
-          </p:pic>
-          <p:pic>
-            <p:nvPicPr>
-              <p:cNvPr id="8" name="그림 7"/>
-              <p:cNvPicPr>
-                <a:picLocks noChangeAspect="1"/>
-              </p:cNvPicPr>
-              <p:nvPr/>
-            </p:nvPicPr>
-            <p:blipFill>
-              <a:blip r:embed="rId8">
-                <a:extLst>
-                  <a:ext uri="{28A0092B-C50C-407E-A947-70E740481C1C}">
-                    <a14:useLocalDpi xmlns:a14="http://schemas.microsoft.com/office/drawing/2010/main" val="0"/>
-                  </a:ext>
-                </a:extLst>
-              </a:blip>
-              <a:stretch>
-                <a:fillRect/>
-              </a:stretch>
-            </p:blipFill>
-            <p:spPr>
-              <a:xfrm>
-                <a:off x="1843540" y="848356"/>
-                <a:ext cx="1419960" cy="1245265"/>
-              </a:xfrm>
-              <a:prstGeom prst="rect">
-                <a:avLst/>
-              </a:prstGeom>
-            </p:spPr>
-          </p:pic>
-          <p:pic>
-            <p:nvPicPr>
-              <p:cNvPr id="7" name="그림 6"/>
-              <p:cNvPicPr>
-                <a:picLocks noChangeAspect="1"/>
-              </p:cNvPicPr>
-              <p:nvPr/>
-            </p:nvPicPr>
-            <p:blipFill>
-              <a:blip r:embed="rId9" cstate="print">
-                <a:extLst>
-                  <a:ext uri="{28A0092B-C50C-407E-A947-70E740481C1C}">
-                    <a14:useLocalDpi xmlns:a14="http://schemas.microsoft.com/office/drawing/2010/main" val="0"/>
-                  </a:ext>
-                </a:extLst>
-              </a:blip>
-              <a:stretch>
-                <a:fillRect/>
-              </a:stretch>
-            </p:blipFill>
-            <p:spPr>
-              <a:xfrm>
-                <a:off x="2654154" y="681667"/>
-                <a:ext cx="1414622" cy="1275153"/>
-              </a:xfrm>
-              <a:prstGeom prst="rect">
-                <a:avLst/>
-              </a:prstGeom>
-            </p:spPr>
-          </p:pic>
-          <p:pic>
-            <p:nvPicPr>
-              <p:cNvPr id="6" name="그림 5"/>
-              <p:cNvPicPr>
-                <a:picLocks noChangeAspect="1"/>
-              </p:cNvPicPr>
-              <p:nvPr/>
-            </p:nvPicPr>
-            <p:blipFill>
-              <a:blip r:embed="rId10" cstate="print">
-                <a:extLst>
-                  <a:ext uri="{28A0092B-C50C-407E-A947-70E740481C1C}">
-                    <a14:useLocalDpi xmlns:a14="http://schemas.microsoft.com/office/drawing/2010/main" val="0"/>
-                  </a:ext>
-                </a:extLst>
-              </a:blip>
-              <a:stretch>
-                <a:fillRect/>
-              </a:stretch>
-            </p:blipFill>
-            <p:spPr>
-              <a:xfrm>
-                <a:off x="3440711" y="767092"/>
-                <a:ext cx="1264929" cy="1152324"/>
-              </a:xfrm>
-              <a:prstGeom prst="rect">
-                <a:avLst/>
-              </a:prstGeom>
-            </p:spPr>
-          </p:pic>
-        </p:grpSp>
-        <p:sp>
-          <p:nvSpPr>
-            <p:cNvPr id="21" name="왼쪽/오른쪽 화살표 20"/>
-            <p:cNvSpPr/>
-            <p:nvPr/>
-          </p:nvSpPr>
-          <p:spPr>
-            <a:xfrm>
-              <a:off x="1229542" y="1991310"/>
-              <a:ext cx="2730744" cy="664583"/>
-            </a:xfrm>
-            <a:prstGeom prst="leftRightArrow">
-              <a:avLst/>
-            </a:prstGeom>
-          </p:spPr>
-          <p:style>
-            <a:lnRef idx="1">
-              <a:schemeClr val="accent4"/>
-            </a:lnRef>
-            <a:fillRef idx="2">
-              <a:schemeClr val="accent4"/>
-            </a:fillRef>
-            <a:effectRef idx="1">
-              <a:schemeClr val="accent4"/>
-            </a:effectRef>
-            <a:fontRef idx="minor">
-              <a:schemeClr val="dk1"/>
-            </a:fontRef>
-          </p:style>
-          <p:txBody>
-            <a:bodyPr rtlCol="0" anchor="ctr"/>
-            <a:lstStyle/>
-            <a:p>
-              <a:pPr algn="ctr"/>
-              <a:r>
-                <a:rPr lang="en-US" altLang="ko-KR" b="1" dirty="0" err="1" smtClean="0">
-                  <a:solidFill>
-                    <a:schemeClr val="tx1"/>
-                  </a:solidFill>
-                </a:rPr>
-                <a:t>Drag&amp;Click</a:t>
-              </a:r>
-              <a:endParaRPr lang="ko-KR" altLang="en-US" b="1" dirty="0">
+            <a:r>
+              <a:rPr lang="ko-KR" altLang="en-US" sz="1600" dirty="0">
                 <a:solidFill>
                   <a:schemeClr val="tx1"/>
                 </a:solidFill>
-              </a:endParaRPr>
-            </a:p>
-          </p:txBody>
-        </p:sp>
-      </p:grpSp>
-      <p:cxnSp>
-        <p:nvCxnSpPr>
-          <p:cNvPr id="40" name="직선 화살표 연결선 39"/>
-          <p:cNvCxnSpPr/>
-          <p:nvPr/>
-        </p:nvCxnSpPr>
-        <p:spPr>
-          <a:xfrm flipH="1" flipV="1">
-            <a:off x="4423592" y="1228313"/>
-            <a:ext cx="961378" cy="14863"/>
-          </a:xfrm>
-          <a:prstGeom prst="straightConnector1">
-            <a:avLst/>
-          </a:prstGeom>
-          <a:ln>
-            <a:tailEnd type="triangle"/>
-          </a:ln>
-        </p:spPr>
-        <p:style>
-          <a:lnRef idx="1">
-            <a:schemeClr val="accent2"/>
-          </a:lnRef>
-          <a:fillRef idx="0">
-            <a:schemeClr val="accent2"/>
-          </a:fillRef>
-          <a:effectRef idx="0">
-            <a:schemeClr val="accent2"/>
-          </a:effectRef>
-          <a:fontRef idx="minor">
-            <a:schemeClr val="tx1"/>
-          </a:fontRef>
-        </p:style>
-      </p:cxnSp>
-      <p:sp>
-        <p:nvSpPr>
-          <p:cNvPr id="41" name="TextBox 40"/>
-          <p:cNvSpPr txBox="1"/>
-          <p:nvPr/>
-        </p:nvSpPr>
-        <p:spPr>
-          <a:xfrm>
-            <a:off x="5392201" y="1049242"/>
-            <a:ext cx="2403800" cy="369332"/>
-          </a:xfrm>
-          <a:prstGeom prst="rect">
-            <a:avLst/>
-          </a:prstGeom>
-          <a:noFill/>
-          <a:ln>
-            <a:solidFill>
-              <a:schemeClr val="accent2"/>
-            </a:solidFill>
-          </a:ln>
-        </p:spPr>
-        <p:txBody>
-          <a:bodyPr wrap="none" rtlCol="0">
-            <a:spAutoFit/>
-          </a:bodyPr>
-          <a:lstStyle/>
-          <a:p>
-            <a:r>
-              <a:rPr lang="en-US" altLang="ko-KR" dirty="0" smtClean="0"/>
-              <a:t>Favorite</a:t>
-            </a:r>
-            <a:r>
-              <a:rPr lang="ko-KR" altLang="en-US" dirty="0" smtClean="0"/>
-              <a:t> </a:t>
-            </a:r>
-            <a:r>
-              <a:rPr lang="en-US" altLang="ko-KR" dirty="0"/>
-              <a:t>L</a:t>
-            </a:r>
-            <a:r>
-              <a:rPr lang="en-US" altLang="ko-KR" dirty="0" smtClean="0"/>
-              <a:t>ayer</a:t>
-            </a:r>
-            <a:r>
-              <a:rPr lang="ko-KR" altLang="en-US" dirty="0" smtClean="0"/>
-              <a:t>로 이동</a:t>
-            </a:r>
-            <a:endParaRPr lang="ko-KR" altLang="en-US" dirty="0"/>
+              </a:rPr>
+              <a:t>옷장 열기</a:t>
+            </a:r>
           </a:p>
         </p:txBody>
       </p:sp>
       <p:sp>
         <p:nvSpPr>
-          <p:cNvPr id="44" name="TextBox 43"/>
-          <p:cNvSpPr txBox="1"/>
-          <p:nvPr/>
-        </p:nvSpPr>
-        <p:spPr>
-          <a:xfrm>
-            <a:off x="5379417" y="80624"/>
-            <a:ext cx="2458109" cy="369332"/>
-          </a:xfrm>
-          <a:prstGeom prst="rect">
-            <a:avLst/>
-          </a:prstGeom>
-          <a:noFill/>
-          <a:ln>
-            <a:solidFill>
-              <a:schemeClr val="accent2"/>
-            </a:solidFill>
-          </a:ln>
-        </p:spPr>
-        <p:txBody>
-          <a:bodyPr wrap="square" rtlCol="0">
-            <a:spAutoFit/>
-          </a:bodyPr>
-          <a:lstStyle/>
-          <a:p>
-            <a:r>
-              <a:rPr lang="en-US" altLang="ko-KR" dirty="0" smtClean="0"/>
-              <a:t>MENU</a:t>
-            </a:r>
-            <a:r>
-              <a:rPr lang="ko-KR" altLang="en-US" dirty="0" smtClean="0"/>
-              <a:t> </a:t>
-            </a:r>
-            <a:r>
-              <a:rPr lang="en-US" altLang="ko-KR" dirty="0" smtClean="0"/>
-              <a:t>Layer</a:t>
-            </a:r>
-            <a:r>
-              <a:rPr lang="ko-KR" altLang="en-US" dirty="0" smtClean="0"/>
-              <a:t>로 이동</a:t>
-            </a:r>
-            <a:endParaRPr lang="ko-KR" altLang="en-US" dirty="0"/>
-          </a:p>
-        </p:txBody>
-      </p:sp>
-      <p:cxnSp>
-        <p:nvCxnSpPr>
-          <p:cNvPr id="46" name="꺾인 연결선 45"/>
-          <p:cNvCxnSpPr>
-            <a:stCxn id="44" idx="1"/>
-            <a:endCxn id="31" idx="5"/>
-          </p:cNvCxnSpPr>
-          <p:nvPr/>
-        </p:nvCxnSpPr>
-        <p:spPr>
-          <a:xfrm rot="10800000" flipV="1">
-            <a:off x="863443" y="265290"/>
-            <a:ext cx="4515974" cy="670832"/>
-          </a:xfrm>
-          <a:prstGeom prst="bentConnector2">
-            <a:avLst/>
-          </a:prstGeom>
-          <a:ln>
-            <a:tailEnd type="triangle"/>
-          </a:ln>
-        </p:spPr>
-        <p:style>
-          <a:lnRef idx="1">
-            <a:schemeClr val="accent2"/>
-          </a:lnRef>
-          <a:fillRef idx="0">
-            <a:schemeClr val="accent2"/>
-          </a:fillRef>
-          <a:effectRef idx="0">
-            <a:schemeClr val="accent2"/>
-          </a:effectRef>
-          <a:fontRef idx="minor">
-            <a:schemeClr val="tx1"/>
-          </a:fontRef>
-        </p:style>
-      </p:cxnSp>
-      <p:sp>
-        <p:nvSpPr>
-          <p:cNvPr id="50" name="가로로 말린 두루마리 모양 49"/>
+          <p:cNvPr id="8" name="사각형: 둥근 모서리 7">
+            <a:extLst>
+              <a:ext uri="{FF2B5EF4-FFF2-40B4-BE49-F238E27FC236}">
+                <a16:creationId xmlns:a16="http://schemas.microsoft.com/office/drawing/2014/main" id="{694C2E4D-2510-462B-9955-FFFA85F78599}"/>
+              </a:ext>
+            </a:extLst>
+          </p:cNvPr>
           <p:cNvSpPr/>
           <p:nvPr/>
         </p:nvSpPr>
         <p:spPr>
           <a:xfrm>
-            <a:off x="5591174" y="5323888"/>
+            <a:off x="1384187" y="3680761"/>
+            <a:ext cx="1648512" cy="789543"/>
+          </a:xfrm>
+          <a:prstGeom prst="roundRect">
+            <a:avLst>
+              <a:gd name="adj" fmla="val 50000"/>
+            </a:avLst>
+          </a:prstGeom>
+          <a:solidFill>
+            <a:schemeClr val="bg1">
+              <a:alpha val="51000"/>
+            </a:schemeClr>
+          </a:solidFill>
+          <a:ln>
+            <a:solidFill>
+              <a:schemeClr val="accent4">
+                <a:lumMod val="75000"/>
+              </a:schemeClr>
+            </a:solidFill>
+          </a:ln>
+        </p:spPr>
+        <p:style>
+          <a:lnRef idx="2">
+            <a:schemeClr val="accent1">
+              <a:shade val="50000"/>
+            </a:schemeClr>
+          </a:lnRef>
+          <a:fillRef idx="1">
+            <a:schemeClr val="accent1"/>
+          </a:fillRef>
+          <a:effectRef idx="0">
+            <a:schemeClr val="accent1"/>
+          </a:effectRef>
+          <a:fontRef idx="minor">
+            <a:schemeClr val="lt1"/>
+          </a:fontRef>
+        </p:style>
+        <p:txBody>
+          <a:bodyPr rtlCol="0" anchor="ctr"/>
+          <a:lstStyle/>
+          <a:p>
+            <a:pPr algn="ctr"/>
+            <a:r>
+              <a:rPr lang="ko-KR" altLang="en-US" sz="1600" dirty="0" err="1">
+                <a:solidFill>
+                  <a:schemeClr val="tx1"/>
+                </a:solidFill>
+              </a:rPr>
+              <a:t>즐겨찾기</a:t>
+            </a:r>
+            <a:endParaRPr lang="ko-KR" altLang="en-US" sz="1600" dirty="0">
+              <a:solidFill>
+                <a:schemeClr val="tx1"/>
+              </a:solidFill>
+            </a:endParaRPr>
+          </a:p>
+        </p:txBody>
+      </p:sp>
+      <p:sp>
+        <p:nvSpPr>
+          <p:cNvPr id="9" name="사각형: 둥근 모서리 8">
+            <a:extLst>
+              <a:ext uri="{FF2B5EF4-FFF2-40B4-BE49-F238E27FC236}">
+                <a16:creationId xmlns:a16="http://schemas.microsoft.com/office/drawing/2014/main" id="{44293B7D-6FC2-4042-B3FC-4D09F237E7C2}"/>
+              </a:ext>
+            </a:extLst>
+          </p:cNvPr>
+          <p:cNvSpPr/>
+          <p:nvPr/>
+        </p:nvSpPr>
+        <p:spPr>
+          <a:xfrm>
+            <a:off x="1396119" y="4738648"/>
+            <a:ext cx="1648512" cy="789543"/>
+          </a:xfrm>
+          <a:prstGeom prst="roundRect">
+            <a:avLst>
+              <a:gd name="adj" fmla="val 50000"/>
+            </a:avLst>
+          </a:prstGeom>
+          <a:solidFill>
+            <a:schemeClr val="bg1">
+              <a:alpha val="51000"/>
+            </a:schemeClr>
+          </a:solidFill>
+          <a:ln>
+            <a:solidFill>
+              <a:schemeClr val="accent4">
+                <a:lumMod val="75000"/>
+              </a:schemeClr>
+            </a:solidFill>
+          </a:ln>
+        </p:spPr>
+        <p:style>
+          <a:lnRef idx="2">
+            <a:schemeClr val="accent1">
+              <a:shade val="50000"/>
+            </a:schemeClr>
+          </a:lnRef>
+          <a:fillRef idx="1">
+            <a:schemeClr val="accent1"/>
+          </a:fillRef>
+          <a:effectRef idx="0">
+            <a:schemeClr val="accent1"/>
+          </a:effectRef>
+          <a:fontRef idx="minor">
+            <a:schemeClr val="lt1"/>
+          </a:fontRef>
+        </p:style>
+        <p:txBody>
+          <a:bodyPr rtlCol="0" anchor="ctr"/>
+          <a:lstStyle/>
+          <a:p>
+            <a:pPr algn="ctr"/>
+            <a:r>
+              <a:rPr lang="ko-KR" altLang="en-US" sz="1600" dirty="0">
+                <a:solidFill>
+                  <a:schemeClr val="tx1"/>
+                </a:solidFill>
+              </a:rPr>
+              <a:t>끝내기</a:t>
+            </a:r>
+          </a:p>
+        </p:txBody>
+      </p:sp>
+      <p:sp>
+        <p:nvSpPr>
+          <p:cNvPr id="10" name="타원 9">
+            <a:extLst>
+              <a:ext uri="{FF2B5EF4-FFF2-40B4-BE49-F238E27FC236}">
+                <a16:creationId xmlns:a16="http://schemas.microsoft.com/office/drawing/2014/main" id="{30E40DDC-C966-4092-A488-4A569ED35BDC}"/>
+              </a:ext>
+            </a:extLst>
+          </p:cNvPr>
+          <p:cNvSpPr/>
+          <p:nvPr/>
+        </p:nvSpPr>
+        <p:spPr>
+          <a:xfrm>
+            <a:off x="1371601" y="2498978"/>
+            <a:ext cx="329973" cy="329973"/>
+          </a:xfrm>
+          <a:prstGeom prst="ellipse">
+            <a:avLst/>
+          </a:prstGeom>
+        </p:spPr>
+        <p:style>
+          <a:lnRef idx="2">
+            <a:schemeClr val="dk1">
+              <a:shade val="50000"/>
+            </a:schemeClr>
+          </a:lnRef>
+          <a:fillRef idx="1">
+            <a:schemeClr val="dk1"/>
+          </a:fillRef>
+          <a:effectRef idx="0">
+            <a:schemeClr val="dk1"/>
+          </a:effectRef>
+          <a:fontRef idx="minor">
+            <a:schemeClr val="lt1"/>
+          </a:fontRef>
+        </p:style>
+        <p:txBody>
+          <a:bodyPr rtlCol="0" anchor="ctr"/>
+          <a:lstStyle/>
+          <a:p>
+            <a:pPr algn="ctr"/>
+            <a:r>
+              <a:rPr lang="en-US" altLang="ko-KR" dirty="0">
+                <a:solidFill>
+                  <a:schemeClr val="bg1"/>
+                </a:solidFill>
+              </a:rPr>
+              <a:t>1</a:t>
+            </a:r>
+            <a:endParaRPr lang="ko-KR" altLang="en-US" dirty="0">
+              <a:solidFill>
+                <a:schemeClr val="bg1"/>
+              </a:solidFill>
+            </a:endParaRPr>
+          </a:p>
+        </p:txBody>
+      </p:sp>
+      <p:sp>
+        <p:nvSpPr>
+          <p:cNvPr id="11" name="타원 10">
+            <a:extLst>
+              <a:ext uri="{FF2B5EF4-FFF2-40B4-BE49-F238E27FC236}">
+                <a16:creationId xmlns:a16="http://schemas.microsoft.com/office/drawing/2014/main" id="{585D598E-3AC2-4346-920A-8312C98E16FA}"/>
+              </a:ext>
+            </a:extLst>
+          </p:cNvPr>
+          <p:cNvSpPr/>
+          <p:nvPr/>
+        </p:nvSpPr>
+        <p:spPr>
+          <a:xfrm>
+            <a:off x="1371600" y="3560924"/>
+            <a:ext cx="329973" cy="329973"/>
+          </a:xfrm>
+          <a:prstGeom prst="ellipse">
+            <a:avLst/>
+          </a:prstGeom>
+        </p:spPr>
+        <p:style>
+          <a:lnRef idx="2">
+            <a:schemeClr val="dk1">
+              <a:shade val="50000"/>
+            </a:schemeClr>
+          </a:lnRef>
+          <a:fillRef idx="1">
+            <a:schemeClr val="dk1"/>
+          </a:fillRef>
+          <a:effectRef idx="0">
+            <a:schemeClr val="dk1"/>
+          </a:effectRef>
+          <a:fontRef idx="minor">
+            <a:schemeClr val="lt1"/>
+          </a:fontRef>
+        </p:style>
+        <p:txBody>
+          <a:bodyPr rtlCol="0" anchor="ctr"/>
+          <a:lstStyle/>
+          <a:p>
+            <a:pPr algn="ctr"/>
+            <a:r>
+              <a:rPr lang="en-US" altLang="ko-KR" dirty="0">
+                <a:solidFill>
+                  <a:schemeClr val="bg1"/>
+                </a:solidFill>
+              </a:rPr>
+              <a:t>2</a:t>
+            </a:r>
+            <a:endParaRPr lang="ko-KR" altLang="en-US" dirty="0">
+              <a:solidFill>
+                <a:schemeClr val="bg1"/>
+              </a:solidFill>
+            </a:endParaRPr>
+          </a:p>
+        </p:txBody>
+      </p:sp>
+      <p:sp>
+        <p:nvSpPr>
+          <p:cNvPr id="12" name="타원 11">
+            <a:extLst>
+              <a:ext uri="{FF2B5EF4-FFF2-40B4-BE49-F238E27FC236}">
+                <a16:creationId xmlns:a16="http://schemas.microsoft.com/office/drawing/2014/main" id="{5597CA83-B096-4150-9D3A-A102802D138C}"/>
+              </a:ext>
+            </a:extLst>
+          </p:cNvPr>
+          <p:cNvSpPr/>
+          <p:nvPr/>
+        </p:nvSpPr>
+        <p:spPr>
+          <a:xfrm>
+            <a:off x="1371600" y="4618811"/>
+            <a:ext cx="329973" cy="329973"/>
+          </a:xfrm>
+          <a:prstGeom prst="ellipse">
+            <a:avLst/>
+          </a:prstGeom>
+        </p:spPr>
+        <p:style>
+          <a:lnRef idx="2">
+            <a:schemeClr val="dk1">
+              <a:shade val="50000"/>
+            </a:schemeClr>
+          </a:lnRef>
+          <a:fillRef idx="1">
+            <a:schemeClr val="dk1"/>
+          </a:fillRef>
+          <a:effectRef idx="0">
+            <a:schemeClr val="dk1"/>
+          </a:effectRef>
+          <a:fontRef idx="minor">
+            <a:schemeClr val="lt1"/>
+          </a:fontRef>
+        </p:style>
+        <p:txBody>
+          <a:bodyPr rtlCol="0" anchor="ctr"/>
+          <a:lstStyle/>
+          <a:p>
+            <a:pPr algn="ctr"/>
+            <a:r>
+              <a:rPr lang="en-US" altLang="ko-KR" dirty="0">
+                <a:solidFill>
+                  <a:schemeClr val="bg1"/>
+                </a:solidFill>
+              </a:rPr>
+              <a:t>3</a:t>
+            </a:r>
+            <a:endParaRPr lang="ko-KR" altLang="en-US" dirty="0">
+              <a:solidFill>
+                <a:schemeClr val="bg1"/>
+              </a:solidFill>
+            </a:endParaRPr>
+          </a:p>
+        </p:txBody>
+      </p:sp>
+      <p:pic>
+        <p:nvPicPr>
+          <p:cNvPr id="14" name="그림 13">
+            <a:extLst>
+              <a:ext uri="{FF2B5EF4-FFF2-40B4-BE49-F238E27FC236}">
+                <a16:creationId xmlns:a16="http://schemas.microsoft.com/office/drawing/2014/main" id="{8F33AF7E-17EE-42C3-854F-AD1A87CE0A1F}"/>
+              </a:ext>
+            </a:extLst>
+          </p:cNvPr>
+          <p:cNvPicPr>
+            <a:picLocks noChangeAspect="1"/>
+          </p:cNvPicPr>
+          <p:nvPr/>
+        </p:nvPicPr>
+        <p:blipFill>
+          <a:blip r:embed="rId2" cstate="print">
+            <a:extLst>
+              <a:ext uri="{28A0092B-C50C-407E-A947-70E740481C1C}">
+                <a14:useLocalDpi xmlns:a14="http://schemas.microsoft.com/office/drawing/2010/main" val="0"/>
+              </a:ext>
+            </a:extLst>
+          </a:blip>
+          <a:stretch>
+            <a:fillRect/>
+          </a:stretch>
+        </p:blipFill>
+        <p:spPr>
+          <a:xfrm>
+            <a:off x="1045172" y="1329809"/>
+            <a:ext cx="2421433" cy="934673"/>
+          </a:xfrm>
+          <a:prstGeom prst="rect">
+            <a:avLst/>
+          </a:prstGeom>
+        </p:spPr>
+      </p:pic>
+      <p:sp>
+        <p:nvSpPr>
+          <p:cNvPr id="21" name="가로로 말린 두루마리 모양 15">
+            <a:extLst>
+              <a:ext uri="{FF2B5EF4-FFF2-40B4-BE49-F238E27FC236}">
+                <a16:creationId xmlns:a16="http://schemas.microsoft.com/office/drawing/2014/main" id="{3B32F684-5AEE-4997-AC30-BE0CE138FF8A}"/>
+              </a:ext>
+            </a:extLst>
+          </p:cNvPr>
+          <p:cNvSpPr/>
+          <p:nvPr/>
+        </p:nvSpPr>
+        <p:spPr>
+          <a:xfrm>
+            <a:off x="5261200" y="5329342"/>
             <a:ext cx="2257425" cy="981075"/>
           </a:xfrm>
           <a:prstGeom prst="horizontalScroll">
@@ -5176,17 +4446,219 @@
           <a:p>
             <a:pPr algn="ctr"/>
             <a:r>
-              <a:rPr lang="en-US" altLang="ko-KR" dirty="0" smtClean="0"/>
-              <a:t>2.Fitting Layer</a:t>
-            </a:r>
-            <a:endParaRPr lang="ko-KR" altLang="en-US" dirty="0"/>
+              <a:rPr lang="en-US" altLang="ko-KR" dirty="0"/>
+              <a:t>1.MENU </a:t>
+            </a:r>
+            <a:r>
+              <a:rPr lang="ko-KR" altLang="en-US" dirty="0"/>
+              <a:t>화면</a:t>
+            </a:r>
           </a:p>
         </p:txBody>
       </p:sp>
+      <p:graphicFrame>
+        <p:nvGraphicFramePr>
+          <p:cNvPr id="22" name="표 21">
+            <a:extLst>
+              <a:ext uri="{FF2B5EF4-FFF2-40B4-BE49-F238E27FC236}">
+                <a16:creationId xmlns:a16="http://schemas.microsoft.com/office/drawing/2014/main" id="{F25BF5E5-3442-4071-8E3E-BDD5655412CC}"/>
+              </a:ext>
+            </a:extLst>
+          </p:cNvPr>
+          <p:cNvGraphicFramePr>
+            <a:graphicFrameLocks noGrp="1"/>
+          </p:cNvGraphicFramePr>
+          <p:nvPr>
+            <p:extLst>
+              <p:ext uri="{D42A27DB-BD31-4B8C-83A1-F6EECF244321}">
+                <p14:modId xmlns:p14="http://schemas.microsoft.com/office/powerpoint/2010/main" val="2853772264"/>
+              </p:ext>
+            </p:extLst>
+          </p:nvPr>
+        </p:nvGraphicFramePr>
+        <p:xfrm>
+          <a:off x="5261199" y="1017221"/>
+          <a:ext cx="5559200" cy="1630770"/>
+        </p:xfrm>
+        <a:graphic>
+          <a:graphicData uri="http://schemas.openxmlformats.org/drawingml/2006/table">
+            <a:tbl>
+              <a:tblPr firstRow="1" bandRow="1">
+                <a:tableStyleId>{21E4AEA4-8DFA-4A89-87EB-49C32662AFE0}</a:tableStyleId>
+              </a:tblPr>
+              <a:tblGrid>
+                <a:gridCol w="2779600">
+                  <a:extLst>
+                    <a:ext uri="{9D8B030D-6E8A-4147-A177-3AD203B41FA5}">
+                      <a16:colId xmlns:a16="http://schemas.microsoft.com/office/drawing/2014/main" val="4192755501"/>
+                    </a:ext>
+                  </a:extLst>
+                </a:gridCol>
+                <a:gridCol w="2779600">
+                  <a:extLst>
+                    <a:ext uri="{9D8B030D-6E8A-4147-A177-3AD203B41FA5}">
+                      <a16:colId xmlns:a16="http://schemas.microsoft.com/office/drawing/2014/main" val="2743042101"/>
+                    </a:ext>
+                  </a:extLst>
+                </a:gridCol>
+              </a:tblGrid>
+              <a:tr h="318221">
+                <a:tc>
+                  <a:txBody>
+                    <a:bodyPr/>
+                    <a:lstStyle/>
+                    <a:p>
+                      <a:pPr algn="ctr" latinLnBrk="1"/>
+                      <a:r>
+                        <a:rPr lang="en-US" altLang="ko-KR" dirty="0"/>
+                        <a:t>index</a:t>
+                      </a:r>
+                      <a:endParaRPr lang="ko-KR" altLang="en-US" dirty="0"/>
+                    </a:p>
+                  </a:txBody>
+                  <a:tcPr/>
+                </a:tc>
+                <a:tc>
+                  <a:txBody>
+                    <a:bodyPr/>
+                    <a:lstStyle/>
+                    <a:p>
+                      <a:pPr algn="ctr" latinLnBrk="1"/>
+                      <a:r>
+                        <a:rPr lang="en-US" altLang="ko-KR" dirty="0"/>
+                        <a:t>description</a:t>
+                      </a:r>
+                      <a:endParaRPr lang="ko-KR" altLang="en-US" dirty="0"/>
+                    </a:p>
+                  </a:txBody>
+                  <a:tcPr/>
+                </a:tc>
+                <a:extLst>
+                  <a:ext uri="{0D108BD9-81ED-4DB2-BD59-A6C34878D82A}">
+                    <a16:rowId xmlns:a16="http://schemas.microsoft.com/office/drawing/2014/main" val="4096821405"/>
+                  </a:ext>
+                </a:extLst>
+              </a:tr>
+              <a:tr h="449625">
+                <a:tc>
+                  <a:txBody>
+                    <a:bodyPr/>
+                    <a:lstStyle/>
+                    <a:p>
+                      <a:pPr algn="ctr" latinLnBrk="1"/>
+                      <a:r>
+                        <a:rPr lang="en-US" altLang="ko-KR" dirty="0"/>
+                        <a:t>1</a:t>
+                      </a:r>
+                      <a:endParaRPr lang="ko-KR" altLang="en-US" dirty="0"/>
+                    </a:p>
+                  </a:txBody>
+                  <a:tcPr/>
+                </a:tc>
+                <a:tc>
+                  <a:txBody>
+                    <a:bodyPr/>
+                    <a:lstStyle/>
+                    <a:p>
+                      <a:pPr algn="ctr" latinLnBrk="1"/>
+                      <a:r>
+                        <a:rPr lang="ko-KR" altLang="en-US" dirty="0"/>
+                        <a:t>옷장 화면으로 이동</a:t>
+                      </a:r>
+                    </a:p>
+                  </a:txBody>
+                  <a:tcPr/>
+                </a:tc>
+                <a:extLst>
+                  <a:ext uri="{0D108BD9-81ED-4DB2-BD59-A6C34878D82A}">
+                    <a16:rowId xmlns:a16="http://schemas.microsoft.com/office/drawing/2014/main" val="574508043"/>
+                  </a:ext>
+                </a:extLst>
+              </a:tr>
+              <a:tr h="449625">
+                <a:tc>
+                  <a:txBody>
+                    <a:bodyPr/>
+                    <a:lstStyle/>
+                    <a:p>
+                      <a:pPr algn="ctr" latinLnBrk="1"/>
+                      <a:r>
+                        <a:rPr lang="en-US" altLang="ko-KR" dirty="0"/>
+                        <a:t>2</a:t>
+                      </a:r>
+                      <a:endParaRPr lang="ko-KR" altLang="en-US" dirty="0"/>
+                    </a:p>
+                  </a:txBody>
+                  <a:tcPr/>
+                </a:tc>
+                <a:tc>
+                  <a:txBody>
+                    <a:bodyPr/>
+                    <a:lstStyle/>
+                    <a:p>
+                      <a:pPr algn="ctr" latinLnBrk="1"/>
+                      <a:r>
+                        <a:rPr lang="ko-KR" altLang="en-US" dirty="0" err="1"/>
+                        <a:t>즐겨찾기</a:t>
+                      </a:r>
+                      <a:r>
+                        <a:rPr lang="ko-KR" altLang="en-US" dirty="0"/>
+                        <a:t> 화면으로 이동</a:t>
+                      </a:r>
+                    </a:p>
+                  </a:txBody>
+                  <a:tcPr/>
+                </a:tc>
+                <a:extLst>
+                  <a:ext uri="{0D108BD9-81ED-4DB2-BD59-A6C34878D82A}">
+                    <a16:rowId xmlns:a16="http://schemas.microsoft.com/office/drawing/2014/main" val="3165185378"/>
+                  </a:ext>
+                </a:extLst>
+              </a:tr>
+              <a:tr h="318221">
+                <a:tc>
+                  <a:txBody>
+                    <a:bodyPr/>
+                    <a:lstStyle/>
+                    <a:p>
+                      <a:pPr algn="ctr" latinLnBrk="1"/>
+                      <a:r>
+                        <a:rPr lang="en-US" altLang="ko-KR" dirty="0"/>
+                        <a:t>3</a:t>
+                      </a:r>
+                      <a:endParaRPr lang="ko-KR" altLang="en-US" dirty="0"/>
+                    </a:p>
+                  </a:txBody>
+                  <a:tcPr/>
+                </a:tc>
+                <a:tc>
+                  <a:txBody>
+                    <a:bodyPr/>
+                    <a:lstStyle/>
+                    <a:p>
+                      <a:pPr algn="ctr" latinLnBrk="1"/>
+                      <a:r>
+                        <a:rPr lang="ko-KR" altLang="en-US" dirty="0"/>
+                        <a:t>프로그램 종료</a:t>
+                      </a:r>
+                    </a:p>
+                  </a:txBody>
+                  <a:tcPr/>
+                </a:tc>
+                <a:extLst>
+                  <a:ext uri="{0D108BD9-81ED-4DB2-BD59-A6C34878D82A}">
+                    <a16:rowId xmlns:a16="http://schemas.microsoft.com/office/drawing/2014/main" val="1876536106"/>
+                  </a:ext>
+                </a:extLst>
+              </a:tr>
+            </a:tbl>
+          </a:graphicData>
+        </a:graphic>
+      </p:graphicFrame>
     </p:spTree>
     <p:extLst>
       <p:ext uri="{BB962C8B-B14F-4D97-AF65-F5344CB8AC3E}">
-        <p14:creationId xmlns:p14="http://schemas.microsoft.com/office/powerpoint/2010/main" val="970406470"/>
+        <p14:creationId xmlns:p14="http://schemas.microsoft.com/office/powerpoint/2010/main" val="2801637785"/>
       </p:ext>
     </p:extLst>
   </p:cSld>
@@ -6486,7 +5958,7 @@
             <a:p>
               <a:pPr algn="ctr"/>
               <a:r>
-                <a:rPr lang="en-US" altLang="ko-KR" dirty="0" smtClean="0">
+                <a:rPr lang="en-US" altLang="ko-KR" dirty="0">
                   <a:solidFill>
                     <a:sysClr val="windowText" lastClr="000000"/>
                   </a:solidFill>
@@ -6540,7 +6012,7 @@
             <a:p>
               <a:pPr algn="ctr"/>
               <a:r>
-                <a:rPr lang="en-US" altLang="ko-KR" dirty="0" smtClean="0">
+                <a:rPr lang="en-US" altLang="ko-KR" dirty="0">
                   <a:solidFill>
                     <a:sysClr val="windowText" lastClr="000000"/>
                   </a:solidFill>
@@ -6578,18 +6050,18 @@
             <a:lstStyle/>
             <a:p>
               <a:r>
-                <a:rPr lang="ko-KR" altLang="en-US" dirty="0" smtClean="0"/>
+                <a:rPr lang="ko-KR" altLang="en-US" dirty="0"/>
                 <a:t>선택한 옷을 </a:t>
               </a:r>
-              <a:endParaRPr lang="en-US" altLang="ko-KR" dirty="0" smtClean="0"/>
+              <a:endParaRPr lang="en-US" altLang="ko-KR" dirty="0"/>
             </a:p>
             <a:p>
               <a:r>
-                <a:rPr lang="ko-KR" altLang="en-US" dirty="0" smtClean="0"/>
+                <a:rPr lang="ko-KR" altLang="en-US" dirty="0"/>
                 <a:t>입어볼까요</a:t>
               </a:r>
               <a:r>
-                <a:rPr lang="en-US" altLang="ko-KR" dirty="0" smtClean="0"/>
+                <a:rPr lang="en-US" altLang="ko-KR" dirty="0"/>
                 <a:t>?</a:t>
               </a:r>
               <a:endParaRPr lang="ko-KR" altLang="en-US" dirty="0"/>
@@ -6632,7 +6104,7 @@
           <a:p>
             <a:pPr algn="ctr"/>
             <a:r>
-              <a:rPr lang="en-US" altLang="ko-KR" b="1" dirty="0" err="1" smtClean="0">
+              <a:rPr lang="en-US" altLang="ko-KR" b="1" dirty="0" err="1">
                 <a:solidFill>
                   <a:schemeClr val="tx1"/>
                 </a:solidFill>
@@ -6675,25 +6147,24 @@
           <a:lstStyle/>
           <a:p>
             <a:r>
-              <a:rPr lang="ko-KR" altLang="en-US" sz="1400" dirty="0" smtClean="0"/>
+              <a:rPr lang="ko-KR" altLang="en-US" sz="1400" dirty="0"/>
               <a:t>옷을 선택하면 </a:t>
             </a:r>
-            <a:endParaRPr lang="en-US" altLang="ko-KR" sz="1400" dirty="0" smtClean="0"/>
-          </a:p>
-          <a:p>
-            <a:r>
-              <a:rPr lang="ko-KR" altLang="en-US" sz="1400" dirty="0" smtClean="0"/>
+            <a:endParaRPr lang="en-US" altLang="ko-KR" sz="1400" dirty="0"/>
+          </a:p>
+          <a:p>
+            <a:r>
+              <a:rPr lang="ko-KR" altLang="en-US" sz="1400" dirty="0"/>
               <a:t>나타나는 </a:t>
             </a:r>
             <a:r>
-              <a:rPr lang="en-US" altLang="ko-KR" sz="1400" dirty="0" smtClean="0"/>
+              <a:rPr lang="en-US" altLang="ko-KR" sz="1400" dirty="0"/>
               <a:t>Popup </a:t>
             </a:r>
             <a:r>
-              <a:rPr lang="ko-KR" altLang="en-US" sz="1400" dirty="0" smtClean="0"/>
+              <a:rPr lang="ko-KR" altLang="en-US" sz="1400" dirty="0"/>
               <a:t>창</a:t>
             </a:r>
-            <a:endParaRPr lang="ko-KR" altLang="en-US" sz="1400" dirty="0"/>
           </a:p>
         </p:txBody>
       </p:sp>
@@ -7281,10 +6752,9 @@
           <a:p>
             <a:pPr algn="ctr"/>
             <a:r>
-              <a:rPr lang="ko-KR" altLang="en-US" dirty="0" smtClean="0"/>
+              <a:rPr lang="ko-KR" altLang="en-US" dirty="0"/>
               <a:t>옷장</a:t>
             </a:r>
-            <a:endParaRPr lang="ko-KR" altLang="en-US" dirty="0"/>
           </a:p>
         </p:txBody>
       </p:sp>
@@ -7325,30 +6795,129 @@
           <a:p>
             <a:pPr algn="ctr"/>
             <a:r>
-              <a:rPr lang="en-US" altLang="ko-KR" dirty="0" smtClean="0"/>
-              <a:t>3.Closet Layer</a:t>
-            </a:r>
-            <a:endParaRPr lang="ko-KR" altLang="en-US" dirty="0"/>
+              <a:rPr lang="en-US" altLang="ko-KR" dirty="0"/>
+              <a:t>2.</a:t>
+            </a:r>
+            <a:r>
+              <a:rPr lang="ko-KR" altLang="en-US" dirty="0"/>
+              <a:t>옷장 화면</a:t>
+            </a:r>
           </a:p>
         </p:txBody>
       </p:sp>
+      <p:sp>
+        <p:nvSpPr>
+          <p:cNvPr id="114" name="TextBox 113"/>
+          <p:cNvSpPr txBox="1"/>
+          <p:nvPr/>
+        </p:nvSpPr>
+        <p:spPr>
+          <a:xfrm>
+            <a:off x="5313822" y="4646766"/>
+            <a:ext cx="1813592" cy="738664"/>
+          </a:xfrm>
+          <a:prstGeom prst="rect">
+            <a:avLst/>
+          </a:prstGeom>
+          <a:noFill/>
+          <a:ln>
+            <a:solidFill>
+              <a:schemeClr val="accent2"/>
+            </a:solidFill>
+          </a:ln>
+        </p:spPr>
+        <p:txBody>
+          <a:bodyPr wrap="square" rtlCol="0">
+            <a:spAutoFit/>
+          </a:bodyPr>
+          <a:lstStyle/>
+          <a:p>
+            <a:r>
+              <a:rPr lang="en-US" altLang="ko-KR" sz="1400" dirty="0"/>
+              <a:t>YES </a:t>
+            </a:r>
+            <a:r>
+              <a:rPr lang="ko-KR" altLang="en-US" sz="1400" dirty="0"/>
+              <a:t>선택 시 </a:t>
+            </a:r>
+            <a:endParaRPr lang="en-US" altLang="ko-KR" sz="1400" dirty="0"/>
+          </a:p>
+          <a:p>
+            <a:r>
+              <a:rPr lang="ko-KR" altLang="en-US" sz="1400" dirty="0" err="1"/>
+              <a:t>입어보기</a:t>
+            </a:r>
+            <a:r>
+              <a:rPr lang="ko-KR" altLang="en-US" sz="1400" dirty="0"/>
+              <a:t> 화면으로 이동</a:t>
+            </a:r>
+          </a:p>
+        </p:txBody>
+      </p:sp>
+      <p:cxnSp>
+        <p:nvCxnSpPr>
+          <p:cNvPr id="118" name="꺾인 연결선 117"/>
+          <p:cNvCxnSpPr>
+            <a:stCxn id="114" idx="1"/>
+          </p:cNvCxnSpPr>
+          <p:nvPr/>
+        </p:nvCxnSpPr>
+        <p:spPr>
+          <a:xfrm rot="10800000">
+            <a:off x="4817174" y="4352268"/>
+            <a:ext cx="496648" cy="663830"/>
+          </a:xfrm>
+          <a:prstGeom prst="bentConnector2">
+            <a:avLst/>
+          </a:prstGeom>
+          <a:ln>
+            <a:tailEnd type="triangle"/>
+          </a:ln>
+        </p:spPr>
+        <p:style>
+          <a:lnRef idx="1">
+            <a:schemeClr val="accent2"/>
+          </a:lnRef>
+          <a:fillRef idx="0">
+            <a:schemeClr val="accent2"/>
+          </a:fillRef>
+          <a:effectRef idx="0">
+            <a:schemeClr val="accent2"/>
+          </a:effectRef>
+          <a:fontRef idx="minor">
+            <a:schemeClr val="tx1"/>
+          </a:fontRef>
+        </p:style>
+      </p:cxnSp>
       <p:grpSp>
         <p:nvGrpSpPr>
-          <p:cNvPr id="109" name="그룹 108"/>
+          <p:cNvPr id="92" name="그룹 91">
+            <a:extLst>
+              <a:ext uri="{FF2B5EF4-FFF2-40B4-BE49-F238E27FC236}">
+                <a16:creationId xmlns:a16="http://schemas.microsoft.com/office/drawing/2014/main" id="{F0AA2048-9995-4ED0-8146-7669C3096C44}"/>
+              </a:ext>
+            </a:extLst>
+          </p:cNvPr>
           <p:cNvGrpSpPr/>
           <p:nvPr/>
         </p:nvGrpSpPr>
         <p:grpSpPr>
           <a:xfrm>
-            <a:off x="3758250" y="1940144"/>
-            <a:ext cx="3907372" cy="616945"/>
+            <a:off x="3807588" y="1571411"/>
+            <a:ext cx="3341256" cy="792996"/>
             <a:chOff x="3445849" y="3701667"/>
-            <a:chExt cx="3907372" cy="616945"/>
+            <a:chExt cx="3341256" cy="792996"/>
           </a:xfrm>
         </p:grpSpPr>
         <p:sp>
           <p:nvSpPr>
-            <p:cNvPr id="110" name="타원 109"/>
+            <p:cNvPr id="99" name="타원 98">
+              <a:extLst>
+                <a:ext uri="{FF2B5EF4-FFF2-40B4-BE49-F238E27FC236}">
+                  <a16:creationId xmlns:a16="http://schemas.microsoft.com/office/drawing/2014/main" id="{7ED44BBB-C5BD-41E0-AC71-E873F466A677}"/>
+                </a:ext>
+              </a:extLst>
+            </p:cNvPr>
             <p:cNvSpPr/>
             <p:nvPr/>
           </p:nvSpPr>
@@ -7396,7 +6965,13 @@
         </p:sp>
         <p:sp>
           <p:nvSpPr>
-            <p:cNvPr id="111" name="타원 110"/>
+            <p:cNvPr id="115" name="타원 114">
+              <a:extLst>
+                <a:ext uri="{FF2B5EF4-FFF2-40B4-BE49-F238E27FC236}">
+                  <a16:creationId xmlns:a16="http://schemas.microsoft.com/office/drawing/2014/main" id="{40092EED-C051-49AE-8085-4C18CF846EFC}"/>
+                </a:ext>
+              </a:extLst>
+            </p:cNvPr>
             <p:cNvSpPr/>
             <p:nvPr/>
           </p:nvSpPr>
@@ -7444,7 +7019,13 @@
         </p:sp>
         <p:cxnSp>
           <p:nvCxnSpPr>
-            <p:cNvPr id="112" name="직선 화살표 연결선 111"/>
+            <p:cNvPr id="116" name="직선 화살표 연결선 115">
+              <a:extLst>
+                <a:ext uri="{FF2B5EF4-FFF2-40B4-BE49-F238E27FC236}">
+                  <a16:creationId xmlns:a16="http://schemas.microsoft.com/office/drawing/2014/main" id="{3C59ABE2-5869-411A-AE7B-7839C3463C76}"/>
+                </a:ext>
+              </a:extLst>
+            </p:cNvPr>
             <p:cNvCxnSpPr/>
             <p:nvPr/>
           </p:nvCxnSpPr>
@@ -7477,14 +7058,20 @@
         </p:cxnSp>
         <p:sp>
           <p:nvSpPr>
-            <p:cNvPr id="113" name="TextBox 112"/>
+            <p:cNvPr id="117" name="TextBox 116">
+              <a:extLst>
+                <a:ext uri="{FF2B5EF4-FFF2-40B4-BE49-F238E27FC236}">
+                  <a16:creationId xmlns:a16="http://schemas.microsoft.com/office/drawing/2014/main" id="{607135D4-C3CB-4173-9BE7-DD0EA62DEDF8}"/>
+                </a:ext>
+              </a:extLst>
+            </p:cNvPr>
             <p:cNvSpPr txBox="1"/>
             <p:nvPr/>
           </p:nvSpPr>
           <p:spPr>
             <a:xfrm>
               <a:off x="4954872" y="3848332"/>
-              <a:ext cx="2398349" cy="369332"/>
+              <a:ext cx="1832233" cy="646331"/>
             </a:xfrm>
             <a:prstGeom prst="rect">
               <a:avLst/>
@@ -7497,14 +7084,402 @@
             </a:ln>
           </p:spPr>
           <p:txBody>
-            <a:bodyPr wrap="none" rtlCol="0">
+            <a:bodyPr wrap="square" rtlCol="0">
               <a:spAutoFit/>
             </a:bodyPr>
             <a:lstStyle/>
             <a:p>
               <a:r>
-                <a:rPr lang="en-US" altLang="ko-KR" dirty="0" smtClean="0"/>
-                <a:t>Hand recognition UI </a:t>
+                <a:rPr lang="en-US" altLang="ko-KR" dirty="0"/>
+                <a:t>UI</a:t>
+              </a:r>
+              <a:r>
+                <a:rPr lang="ko-KR" altLang="en-US" dirty="0"/>
+                <a:t>를 위한 </a:t>
+              </a:r>
+              <a:endParaRPr lang="en-US" altLang="ko-KR" dirty="0"/>
+            </a:p>
+            <a:p>
+              <a:r>
+                <a:rPr lang="en-US" altLang="ko-KR" dirty="0"/>
+                <a:t>Hand Detection</a:t>
+              </a:r>
+              <a:endParaRPr lang="ko-KR" altLang="en-US" dirty="0"/>
+            </a:p>
+          </p:txBody>
+        </p:sp>
+      </p:grpSp>
+    </p:spTree>
+    <p:extLst>
+      <p:ext uri="{BB962C8B-B14F-4D97-AF65-F5344CB8AC3E}">
+        <p14:creationId xmlns:p14="http://schemas.microsoft.com/office/powerpoint/2010/main" val="3096973582"/>
+      </p:ext>
+    </p:extLst>
+  </p:cSld>
+  <p:clrMapOvr>
+    <a:masterClrMapping/>
+  </p:clrMapOvr>
+</p:sld>
+</file>
+
+<file path=ppt/slides/slide4.xml><?xml version="1.0" encoding="utf-8"?>
+<p:sld xmlns:a="http://schemas.openxmlformats.org/drawingml/2006/main" xmlns:r="http://schemas.openxmlformats.org/officeDocument/2006/relationships" xmlns:p="http://schemas.openxmlformats.org/presentationml/2006/main">
+  <p:cSld>
+    <p:spTree>
+      <p:nvGrpSpPr>
+        <p:cNvPr id="1" name=""/>
+        <p:cNvGrpSpPr/>
+        <p:nvPr/>
+      </p:nvGrpSpPr>
+      <p:grpSpPr>
+        <a:xfrm>
+          <a:off x="0" y="0"/>
+          <a:ext cx="0" cy="0"/>
+          <a:chOff x="0" y="0"/>
+          <a:chExt cx="0" cy="0"/>
+        </a:xfrm>
+      </p:grpSpPr>
+      <p:pic>
+        <p:nvPicPr>
+          <p:cNvPr id="1026" name="Picture 2" descr="ë°©ì ëí ì´ë¯¸ì§ ê²ìê²°ê³¼"/>
+          <p:cNvPicPr>
+            <a:picLocks noChangeArrowheads="1"/>
+          </p:cNvPicPr>
+          <p:nvPr/>
+        </p:nvPicPr>
+        <p:blipFill>
+          <a:blip r:embed="rId2">
+            <a:extLst>
+              <a:ext uri="{BEBA8EAE-BF5A-486C-A8C5-ECC9F3942E4B}">
+                <a14:imgProps xmlns:a14="http://schemas.microsoft.com/office/drawing/2010/main">
+                  <a14:imgLayer r:embed="rId3">
+                    <a14:imgEffect>
+                      <a14:sharpenSoften amount="-53000"/>
+                    </a14:imgEffect>
+                  </a14:imgLayer>
+                </a14:imgProps>
+              </a:ext>
+              <a:ext uri="{28A0092B-C50C-407E-A947-70E740481C1C}">
+                <a14:useLocalDpi xmlns:a14="http://schemas.microsoft.com/office/drawing/2010/main" val="0"/>
+              </a:ext>
+            </a:extLst>
+          </a:blip>
+          <a:srcRect/>
+          <a:stretch>
+            <a:fillRect/>
+          </a:stretch>
+        </p:blipFill>
+        <p:spPr bwMode="auto">
+          <a:xfrm>
+            <a:off x="527222" y="378939"/>
+            <a:ext cx="4118592" cy="6005385"/>
+          </a:xfrm>
+          <a:prstGeom prst="rect">
+            <a:avLst/>
+          </a:prstGeom>
+          <a:noFill/>
+        </p:spPr>
+      </p:pic>
+      <p:sp>
+        <p:nvSpPr>
+          <p:cNvPr id="4" name="직사각형 3"/>
+          <p:cNvSpPr/>
+          <p:nvPr/>
+        </p:nvSpPr>
+        <p:spPr>
+          <a:xfrm>
+            <a:off x="527222" y="378941"/>
+            <a:ext cx="4102443" cy="6005383"/>
+          </a:xfrm>
+          <a:prstGeom prst="rect">
+            <a:avLst/>
+          </a:prstGeom>
+          <a:noFill/>
+          <a:ln w="9525" cap="flat" cmpd="sng" algn="ctr">
+            <a:solidFill>
+              <a:schemeClr val="accent4"/>
+            </a:solidFill>
+            <a:prstDash val="solid"/>
+            <a:round/>
+            <a:headEnd type="none" w="med" len="med"/>
+            <a:tailEnd type="none" w="med" len="med"/>
+          </a:ln>
+        </p:spPr>
+        <p:style>
+          <a:lnRef idx="0">
+            <a:scrgbClr r="0" g="0" b="0"/>
+          </a:lnRef>
+          <a:fillRef idx="0">
+            <a:scrgbClr r="0" g="0" b="0"/>
+          </a:fillRef>
+          <a:effectRef idx="0">
+            <a:scrgbClr r="0" g="0" b="0"/>
+          </a:effectRef>
+          <a:fontRef idx="minor">
+            <a:schemeClr val="accent4"/>
+          </a:fontRef>
+        </p:style>
+        <p:txBody>
+          <a:bodyPr rtlCol="0" anchor="ctr"/>
+          <a:lstStyle/>
+          <a:p>
+            <a:pPr algn="ctr"/>
+            <a:endParaRPr lang="ko-KR" altLang="en-US"/>
+          </a:p>
+        </p:txBody>
+      </p:sp>
+      <p:pic>
+        <p:nvPicPr>
+          <p:cNvPr id="16" name="그림 15"/>
+          <p:cNvPicPr>
+            <a:picLocks noChangeAspect="1"/>
+          </p:cNvPicPr>
+          <p:nvPr/>
+        </p:nvPicPr>
+        <p:blipFill>
+          <a:blip r:embed="rId4">
+            <a:extLst>
+              <a:ext uri="{28A0092B-C50C-407E-A947-70E740481C1C}">
+                <a14:useLocalDpi xmlns:a14="http://schemas.microsoft.com/office/drawing/2010/main" val="0"/>
+              </a:ext>
+            </a:extLst>
+          </a:blip>
+          <a:stretch>
+            <a:fillRect/>
+          </a:stretch>
+        </p:blipFill>
+        <p:spPr>
+          <a:xfrm>
+            <a:off x="1143283" y="3051179"/>
+            <a:ext cx="2886469" cy="2886469"/>
+          </a:xfrm>
+          <a:prstGeom prst="rect">
+            <a:avLst/>
+          </a:prstGeom>
+        </p:spPr>
+      </p:pic>
+      <p:sp>
+        <p:nvSpPr>
+          <p:cNvPr id="17" name="TextBox 16"/>
+          <p:cNvSpPr txBox="1"/>
+          <p:nvPr/>
+        </p:nvSpPr>
+        <p:spPr>
+          <a:xfrm>
+            <a:off x="2273499" y="3219000"/>
+            <a:ext cx="651140" cy="369332"/>
+          </a:xfrm>
+          <a:prstGeom prst="rect">
+            <a:avLst/>
+          </a:prstGeom>
+          <a:noFill/>
+        </p:spPr>
+        <p:txBody>
+          <a:bodyPr wrap="none" rtlCol="0">
+            <a:spAutoFit/>
+          </a:bodyPr>
+          <a:lstStyle/>
+          <a:p>
+            <a:r>
+              <a:rPr lang="en-US" altLang="ko-KR" b="1" dirty="0">
+                <a:solidFill>
+                  <a:schemeClr val="bg1"/>
+                </a:solidFill>
+              </a:rPr>
+              <a:t>user</a:t>
+            </a:r>
+            <a:endParaRPr lang="ko-KR" altLang="en-US" b="1" dirty="0">
+              <a:solidFill>
+                <a:schemeClr val="bg1"/>
+              </a:solidFill>
+            </a:endParaRPr>
+          </a:p>
+        </p:txBody>
+      </p:sp>
+      <p:grpSp>
+        <p:nvGrpSpPr>
+          <p:cNvPr id="38" name="그룹 37"/>
+          <p:cNvGrpSpPr/>
+          <p:nvPr/>
+        </p:nvGrpSpPr>
+        <p:grpSpPr>
+          <a:xfrm>
+            <a:off x="3445849" y="3701667"/>
+            <a:ext cx="3341256" cy="792996"/>
+            <a:chOff x="3445849" y="3701667"/>
+            <a:chExt cx="3341256" cy="792996"/>
+          </a:xfrm>
+        </p:grpSpPr>
+        <p:sp>
+          <p:nvSpPr>
+            <p:cNvPr id="22" name="타원 21"/>
+            <p:cNvSpPr/>
+            <p:nvPr/>
+          </p:nvSpPr>
+          <p:spPr>
+            <a:xfrm>
+              <a:off x="3445849" y="3701667"/>
+              <a:ext cx="622928" cy="616945"/>
+            </a:xfrm>
+            <a:prstGeom prst="ellipse">
+              <a:avLst/>
+            </a:prstGeom>
+            <a:noFill/>
+            <a:ln w="28575" cap="flat" cmpd="sng" algn="ctr">
+              <a:solidFill>
+                <a:schemeClr val="accent2"/>
+              </a:solidFill>
+              <a:prstDash val="solid"/>
+              <a:round/>
+              <a:headEnd type="none" w="med" len="med"/>
+              <a:tailEnd type="none" w="med" len="med"/>
+            </a:ln>
+          </p:spPr>
+          <p:style>
+            <a:lnRef idx="0">
+              <a:scrgbClr r="0" g="0" b="0"/>
+            </a:lnRef>
+            <a:fillRef idx="0">
+              <a:scrgbClr r="0" g="0" b="0"/>
+            </a:fillRef>
+            <a:effectRef idx="0">
+              <a:scrgbClr r="0" g="0" b="0"/>
+            </a:effectRef>
+            <a:fontRef idx="minor">
+              <a:schemeClr val="accent2"/>
+            </a:fontRef>
+          </p:style>
+          <p:txBody>
+            <a:bodyPr rtlCol="0" anchor="ctr"/>
+            <a:lstStyle/>
+            <a:p>
+              <a:pPr algn="ctr"/>
+              <a:endParaRPr lang="ko-KR" altLang="en-US"/>
+            </a:p>
+          </p:txBody>
+        </p:sp>
+        <p:sp>
+          <p:nvSpPr>
+            <p:cNvPr id="24" name="타원 23"/>
+            <p:cNvSpPr/>
+            <p:nvPr/>
+          </p:nvSpPr>
+          <p:spPr>
+            <a:xfrm>
+              <a:off x="3752286" y="3987279"/>
+              <a:ext cx="45719" cy="45719"/>
+            </a:xfrm>
+            <a:prstGeom prst="ellipse">
+              <a:avLst/>
+            </a:prstGeom>
+            <a:noFill/>
+            <a:ln w="28575" cap="flat" cmpd="sng" algn="ctr">
+              <a:solidFill>
+                <a:schemeClr val="accent2"/>
+              </a:solidFill>
+              <a:prstDash val="solid"/>
+              <a:round/>
+              <a:headEnd type="none" w="med" len="med"/>
+              <a:tailEnd type="none" w="med" len="med"/>
+            </a:ln>
+          </p:spPr>
+          <p:style>
+            <a:lnRef idx="0">
+              <a:scrgbClr r="0" g="0" b="0"/>
+            </a:lnRef>
+            <a:fillRef idx="0">
+              <a:scrgbClr r="0" g="0" b="0"/>
+            </a:fillRef>
+            <a:effectRef idx="0">
+              <a:scrgbClr r="0" g="0" b="0"/>
+            </a:effectRef>
+            <a:fontRef idx="minor">
+              <a:schemeClr val="accent2"/>
+            </a:fontRef>
+          </p:style>
+          <p:txBody>
+            <a:bodyPr rtlCol="0" anchor="ctr"/>
+            <a:lstStyle/>
+            <a:p>
+              <a:pPr algn="ctr"/>
+              <a:endParaRPr lang="ko-KR" altLang="en-US"/>
+            </a:p>
+          </p:txBody>
+        </p:sp>
+        <p:cxnSp>
+          <p:nvCxnSpPr>
+            <p:cNvPr id="25" name="직선 화살표 연결선 24"/>
+            <p:cNvCxnSpPr/>
+            <p:nvPr/>
+          </p:nvCxnSpPr>
+          <p:spPr>
+            <a:xfrm flipH="1" flipV="1">
+              <a:off x="3798006" y="4010964"/>
+              <a:ext cx="1154245" cy="22034"/>
+            </a:xfrm>
+            <a:prstGeom prst="straightConnector1">
+              <a:avLst/>
+            </a:prstGeom>
+            <a:ln>
+              <a:tailEnd type="triangle"/>
+            </a:ln>
+          </p:spPr>
+          <p:style>
+            <a:lnRef idx="1">
+              <a:schemeClr val="accent2"/>
+            </a:lnRef>
+            <a:fillRef idx="0">
+              <a:schemeClr val="accent2"/>
+            </a:fillRef>
+            <a:effectRef idx="0">
+              <a:schemeClr val="accent2"/>
+            </a:effectRef>
+            <a:fontRef idx="minor">
+              <a:schemeClr val="tx1"/>
+            </a:fontRef>
+          </p:style>
+        </p:cxnSp>
+        <p:sp>
+          <p:nvSpPr>
+            <p:cNvPr id="28" name="TextBox 27"/>
+            <p:cNvSpPr txBox="1"/>
+            <p:nvPr/>
+          </p:nvSpPr>
+          <p:spPr>
+            <a:xfrm>
+              <a:off x="4954872" y="3848332"/>
+              <a:ext cx="1832233" cy="646331"/>
+            </a:xfrm>
+            <a:prstGeom prst="rect">
+              <a:avLst/>
+            </a:prstGeom>
+            <a:noFill/>
+            <a:ln>
+              <a:solidFill>
+                <a:schemeClr val="accent2"/>
+              </a:solidFill>
+            </a:ln>
+          </p:spPr>
+          <p:txBody>
+            <a:bodyPr wrap="square" rtlCol="0">
+              <a:spAutoFit/>
+            </a:bodyPr>
+            <a:lstStyle/>
+            <a:p>
+              <a:r>
+                <a:rPr lang="en-US" altLang="ko-KR" dirty="0"/>
+                <a:t>UI</a:t>
+              </a:r>
+              <a:r>
+                <a:rPr lang="ko-KR" altLang="en-US" dirty="0"/>
+                <a:t>를 위한 </a:t>
+              </a:r>
+              <a:endParaRPr lang="en-US" altLang="ko-KR" dirty="0"/>
+            </a:p>
+            <a:p>
+              <a:r>
+                <a:rPr lang="en-US" altLang="ko-KR" dirty="0"/>
+                <a:t>Hand Detection</a:t>
               </a:r>
               <a:endParaRPr lang="ko-KR" altLang="en-US" dirty="0"/>
             </a:p>
@@ -7513,14 +7488,328 @@
       </p:grpSp>
       <p:sp>
         <p:nvSpPr>
-          <p:cNvPr id="114" name="TextBox 113"/>
+          <p:cNvPr id="30" name="직사각형 29"/>
+          <p:cNvSpPr/>
+          <p:nvPr/>
+        </p:nvSpPr>
+        <p:spPr>
+          <a:xfrm>
+            <a:off x="527222" y="378941"/>
+            <a:ext cx="661620" cy="1540475"/>
+          </a:xfrm>
+          <a:prstGeom prst="rect">
+            <a:avLst/>
+          </a:prstGeom>
+        </p:spPr>
+        <p:style>
+          <a:lnRef idx="2">
+            <a:schemeClr val="accent4">
+              <a:shade val="50000"/>
+            </a:schemeClr>
+          </a:lnRef>
+          <a:fillRef idx="1">
+            <a:schemeClr val="accent4"/>
+          </a:fillRef>
+          <a:effectRef idx="0">
+            <a:schemeClr val="accent4"/>
+          </a:effectRef>
+          <a:fontRef idx="minor">
+            <a:schemeClr val="lt1"/>
+          </a:fontRef>
+        </p:style>
+        <p:txBody>
+          <a:bodyPr rtlCol="0" anchor="ctr"/>
+          <a:lstStyle/>
+          <a:p>
+            <a:pPr algn="ctr"/>
+            <a:endParaRPr lang="ko-KR" altLang="en-US" dirty="0"/>
+          </a:p>
+        </p:txBody>
+      </p:sp>
+      <p:sp>
+        <p:nvSpPr>
+          <p:cNvPr id="33" name="직사각형 32"/>
+          <p:cNvSpPr/>
+          <p:nvPr/>
+        </p:nvSpPr>
+        <p:spPr>
+          <a:xfrm>
+            <a:off x="3975276" y="378940"/>
+            <a:ext cx="661620" cy="1540475"/>
+          </a:xfrm>
+          <a:prstGeom prst="rect">
+            <a:avLst/>
+          </a:prstGeom>
+        </p:spPr>
+        <p:style>
+          <a:lnRef idx="2">
+            <a:schemeClr val="accent4">
+              <a:shade val="50000"/>
+            </a:schemeClr>
+          </a:lnRef>
+          <a:fillRef idx="1">
+            <a:schemeClr val="accent4"/>
+          </a:fillRef>
+          <a:effectRef idx="0">
+            <a:schemeClr val="accent4"/>
+          </a:effectRef>
+          <a:fontRef idx="minor">
+            <a:schemeClr val="lt1"/>
+          </a:fontRef>
+        </p:style>
+        <p:txBody>
+          <a:bodyPr rtlCol="0" anchor="ctr"/>
+          <a:lstStyle/>
+          <a:p>
+            <a:pPr algn="ctr"/>
+            <a:endParaRPr lang="ko-KR" altLang="en-US" dirty="0"/>
+          </a:p>
+        </p:txBody>
+      </p:sp>
+      <p:grpSp>
+        <p:nvGrpSpPr>
+          <p:cNvPr id="35" name="그룹 34"/>
+          <p:cNvGrpSpPr/>
+          <p:nvPr/>
+        </p:nvGrpSpPr>
+        <p:grpSpPr>
+          <a:xfrm>
+            <a:off x="632176" y="845072"/>
+            <a:ext cx="465104" cy="663688"/>
+            <a:chOff x="647416" y="845072"/>
+            <a:chExt cx="465104" cy="663688"/>
+          </a:xfrm>
+        </p:grpSpPr>
+        <p:sp>
+          <p:nvSpPr>
+            <p:cNvPr id="31" name="등호 30"/>
+            <p:cNvSpPr/>
+            <p:nvPr/>
+          </p:nvSpPr>
+          <p:spPr>
+            <a:xfrm>
+              <a:off x="647416" y="845072"/>
+              <a:ext cx="462534" cy="441992"/>
+            </a:xfrm>
+            <a:prstGeom prst="mathEqual">
+              <a:avLst/>
+            </a:prstGeom>
+            <a:solidFill>
+              <a:schemeClr val="bg1"/>
+            </a:solidFill>
+            <a:ln>
+              <a:solidFill>
+                <a:schemeClr val="bg1"/>
+              </a:solidFill>
+            </a:ln>
+          </p:spPr>
+          <p:style>
+            <a:lnRef idx="2">
+              <a:schemeClr val="accent1">
+                <a:shade val="50000"/>
+              </a:schemeClr>
+            </a:lnRef>
+            <a:fillRef idx="1">
+              <a:schemeClr val="accent1"/>
+            </a:fillRef>
+            <a:effectRef idx="0">
+              <a:schemeClr val="accent1"/>
+            </a:effectRef>
+            <a:fontRef idx="minor">
+              <a:schemeClr val="lt1"/>
+            </a:fontRef>
+          </p:style>
+          <p:txBody>
+            <a:bodyPr rtlCol="0" anchor="ctr"/>
+            <a:lstStyle/>
+            <a:p>
+              <a:pPr algn="ctr"/>
+              <a:endParaRPr lang="ko-KR" altLang="en-US">
+                <a:solidFill>
+                  <a:schemeClr val="tx1"/>
+                </a:solidFill>
+              </a:endParaRPr>
+            </a:p>
+          </p:txBody>
+        </p:sp>
+        <p:sp>
+          <p:nvSpPr>
+            <p:cNvPr id="34" name="뺄셈 기호 33"/>
+            <p:cNvSpPr/>
+            <p:nvPr/>
+          </p:nvSpPr>
+          <p:spPr>
+            <a:xfrm>
+              <a:off x="650424" y="1090188"/>
+              <a:ext cx="462096" cy="418572"/>
+            </a:xfrm>
+            <a:prstGeom prst="mathMinus">
+              <a:avLst/>
+            </a:prstGeom>
+            <a:solidFill>
+              <a:schemeClr val="bg1"/>
+            </a:solidFill>
+            <a:ln>
+              <a:solidFill>
+                <a:schemeClr val="bg1"/>
+              </a:solidFill>
+            </a:ln>
+          </p:spPr>
+          <p:style>
+            <a:lnRef idx="2">
+              <a:schemeClr val="accent1">
+                <a:shade val="50000"/>
+              </a:schemeClr>
+            </a:lnRef>
+            <a:fillRef idx="1">
+              <a:schemeClr val="accent1"/>
+            </a:fillRef>
+            <a:effectRef idx="0">
+              <a:schemeClr val="accent1"/>
+            </a:effectRef>
+            <a:fontRef idx="minor">
+              <a:schemeClr val="lt1"/>
+            </a:fontRef>
+          </p:style>
+          <p:txBody>
+            <a:bodyPr rtlCol="0" anchor="ctr"/>
+            <a:lstStyle/>
+            <a:p>
+              <a:pPr algn="ctr"/>
+              <a:endParaRPr lang="ko-KR" altLang="en-US"/>
+            </a:p>
+          </p:txBody>
+        </p:sp>
+      </p:grpSp>
+      <p:sp>
+        <p:nvSpPr>
+          <p:cNvPr id="36" name="포인트가 5개인 별 35"/>
+          <p:cNvSpPr/>
+          <p:nvPr/>
+        </p:nvSpPr>
+        <p:spPr>
+          <a:xfrm>
+            <a:off x="4085443" y="920348"/>
+            <a:ext cx="492947" cy="487680"/>
+          </a:xfrm>
+          <a:prstGeom prst="star5">
+            <a:avLst/>
+          </a:prstGeom>
+          <a:solidFill>
+            <a:schemeClr val="bg1"/>
+          </a:solidFill>
+          <a:ln>
+            <a:solidFill>
+              <a:schemeClr val="bg1"/>
+            </a:solidFill>
+          </a:ln>
+        </p:spPr>
+        <p:style>
+          <a:lnRef idx="2">
+            <a:schemeClr val="accent1">
+              <a:shade val="50000"/>
+            </a:schemeClr>
+          </a:lnRef>
+          <a:fillRef idx="1">
+            <a:schemeClr val="accent1"/>
+          </a:fillRef>
+          <a:effectRef idx="0">
+            <a:schemeClr val="accent1"/>
+          </a:effectRef>
+          <a:fontRef idx="minor">
+            <a:schemeClr val="lt1"/>
+          </a:fontRef>
+        </p:style>
+        <p:txBody>
+          <a:bodyPr rtlCol="0" anchor="ctr"/>
+          <a:lstStyle/>
+          <a:p>
+            <a:pPr algn="ctr"/>
+            <a:endParaRPr lang="ko-KR" altLang="en-US"/>
+          </a:p>
+        </p:txBody>
+      </p:sp>
+      <p:cxnSp>
+        <p:nvCxnSpPr>
+          <p:cNvPr id="40" name="직선 화살표 연결선 39"/>
+          <p:cNvCxnSpPr/>
+          <p:nvPr/>
+        </p:nvCxnSpPr>
+        <p:spPr>
+          <a:xfrm flipH="1" flipV="1">
+            <a:off x="4423592" y="1228313"/>
+            <a:ext cx="961378" cy="14863"/>
+          </a:xfrm>
+          <a:prstGeom prst="straightConnector1">
+            <a:avLst/>
+          </a:prstGeom>
+          <a:ln>
+            <a:tailEnd type="triangle"/>
+          </a:ln>
+        </p:spPr>
+        <p:style>
+          <a:lnRef idx="1">
+            <a:schemeClr val="accent2"/>
+          </a:lnRef>
+          <a:fillRef idx="0">
+            <a:schemeClr val="accent2"/>
+          </a:fillRef>
+          <a:effectRef idx="0">
+            <a:schemeClr val="accent2"/>
+          </a:effectRef>
+          <a:fontRef idx="minor">
+            <a:schemeClr val="tx1"/>
+          </a:fontRef>
+        </p:style>
+      </p:cxnSp>
+      <p:sp>
+        <p:nvSpPr>
+          <p:cNvPr id="41" name="TextBox 40"/>
           <p:cNvSpPr txBox="1"/>
           <p:nvPr/>
         </p:nvSpPr>
         <p:spPr>
           <a:xfrm>
-            <a:off x="5313822" y="4717102"/>
-            <a:ext cx="1813592" cy="519833"/>
+            <a:off x="5392201" y="1049242"/>
+            <a:ext cx="1651414" cy="369332"/>
+          </a:xfrm>
+          <a:prstGeom prst="rect">
+            <a:avLst/>
+          </a:prstGeom>
+          <a:noFill/>
+          <a:ln>
+            <a:solidFill>
+              <a:schemeClr val="accent2"/>
+            </a:solidFill>
+          </a:ln>
+        </p:spPr>
+        <p:txBody>
+          <a:bodyPr wrap="none" rtlCol="0">
+            <a:spAutoFit/>
+          </a:bodyPr>
+          <a:lstStyle/>
+          <a:p>
+            <a:r>
+              <a:rPr lang="ko-KR" altLang="en-US" dirty="0" err="1"/>
+              <a:t>즐겨찾기</a:t>
+            </a:r>
+            <a:r>
+              <a:rPr lang="ko-KR" altLang="en-US" dirty="0"/>
+              <a:t> 기능</a:t>
+            </a:r>
+          </a:p>
+        </p:txBody>
+      </p:sp>
+      <p:sp>
+        <p:nvSpPr>
+          <p:cNvPr id="44" name="TextBox 43"/>
+          <p:cNvSpPr txBox="1"/>
+          <p:nvPr/>
+        </p:nvSpPr>
+        <p:spPr>
+          <a:xfrm>
+            <a:off x="5379417" y="80624"/>
+            <a:ext cx="2458109" cy="369332"/>
           </a:xfrm>
           <a:prstGeom prst="rect">
             <a:avLst/>
@@ -7539,40 +7828,29 @@
           <a:lstStyle/>
           <a:p>
             <a:r>
-              <a:rPr lang="en-US" altLang="ko-KR" sz="1400" dirty="0" smtClean="0"/>
-              <a:t>YES </a:t>
-            </a:r>
-            <a:r>
-              <a:rPr lang="ko-KR" altLang="en-US" sz="1400" dirty="0" smtClean="0"/>
-              <a:t>선택 시 </a:t>
-            </a:r>
-            <a:endParaRPr lang="en-US" altLang="ko-KR" sz="1400" dirty="0" smtClean="0"/>
-          </a:p>
-          <a:p>
-            <a:r>
-              <a:rPr lang="en-US" altLang="ko-KR" sz="1400" dirty="0" smtClean="0"/>
-              <a:t>Fitting Layer</a:t>
-            </a:r>
-            <a:r>
-              <a:rPr lang="ko-KR" altLang="en-US" sz="1400" dirty="0" smtClean="0"/>
-              <a:t>로 이동</a:t>
-            </a:r>
-            <a:endParaRPr lang="ko-KR" altLang="en-US" sz="1400" dirty="0"/>
+              <a:rPr lang="en-US" altLang="ko-KR" dirty="0"/>
+              <a:t>MENU</a:t>
+            </a:r>
+            <a:r>
+              <a:rPr lang="ko-KR" altLang="en-US" dirty="0"/>
+              <a:t> 화면으로 이동</a:t>
+            </a:r>
           </a:p>
         </p:txBody>
       </p:sp>
       <p:cxnSp>
         <p:nvCxnSpPr>
-          <p:cNvPr id="118" name="꺾인 연결선 117"/>
+          <p:cNvPr id="46" name="꺾인 연결선 45"/>
           <p:cNvCxnSpPr>
-            <a:stCxn id="114" idx="1"/>
+            <a:stCxn id="44" idx="1"/>
+            <a:endCxn id="31" idx="5"/>
           </p:cNvCxnSpPr>
           <p:nvPr/>
         </p:nvCxnSpPr>
         <p:spPr>
-          <a:xfrm rot="10800000">
-            <a:off x="4817174" y="4422603"/>
-            <a:ext cx="496648" cy="554417"/>
+          <a:xfrm rot="10800000" flipV="1">
+            <a:off x="863443" y="265290"/>
+            <a:ext cx="4515974" cy="670832"/>
           </a:xfrm>
           <a:prstGeom prst="bentConnector2">
             <a:avLst/>
@@ -7596,10 +7874,61 @@
           </a:fontRef>
         </p:style>
       </p:cxnSp>
+      <p:sp>
+        <p:nvSpPr>
+          <p:cNvPr id="50" name="가로로 말린 두루마리 모양 49"/>
+          <p:cNvSpPr/>
+          <p:nvPr/>
+        </p:nvSpPr>
+        <p:spPr>
+          <a:xfrm>
+            <a:off x="5591174" y="5323888"/>
+            <a:ext cx="2257425" cy="981075"/>
+          </a:xfrm>
+          <a:prstGeom prst="horizontalScroll">
+            <a:avLst/>
+          </a:prstGeom>
+        </p:spPr>
+        <p:style>
+          <a:lnRef idx="2">
+            <a:schemeClr val="accent2">
+              <a:shade val="50000"/>
+            </a:schemeClr>
+          </a:lnRef>
+          <a:fillRef idx="1">
+            <a:schemeClr val="accent2"/>
+          </a:fillRef>
+          <a:effectRef idx="0">
+            <a:schemeClr val="accent2"/>
+          </a:effectRef>
+          <a:fontRef idx="minor">
+            <a:schemeClr val="lt1"/>
+          </a:fontRef>
+        </p:style>
+        <p:txBody>
+          <a:bodyPr rtlCol="0" anchor="ctr"/>
+          <a:lstStyle/>
+          <a:p>
+            <a:pPr algn="ctr"/>
+            <a:r>
+              <a:rPr lang="en-US" altLang="ko-KR" dirty="0"/>
+              <a:t>3.</a:t>
+            </a:r>
+            <a:r>
+              <a:rPr lang="ko-KR" altLang="en-US" dirty="0" err="1"/>
+              <a:t>입어보기</a:t>
+            </a:r>
+            <a:r>
+              <a:rPr lang="ko-KR" altLang="en-US" dirty="0"/>
+              <a:t> 화면</a:t>
+            </a:r>
+          </a:p>
+        </p:txBody>
+      </p:sp>
     </p:spTree>
     <p:extLst>
       <p:ext uri="{BB962C8B-B14F-4D97-AF65-F5344CB8AC3E}">
-        <p14:creationId xmlns:p14="http://schemas.microsoft.com/office/powerpoint/2010/main" val="3096973582"/>
+        <p14:creationId xmlns:p14="http://schemas.microsoft.com/office/powerpoint/2010/main" val="970406470"/>
       </p:ext>
     </p:extLst>
   </p:cSld>
@@ -7609,7 +7938,7 @@
 </p:sld>
 </file>
 
-<file path=ppt/slides/slide4.xml><?xml version="1.0" encoding="utf-8"?>
+<file path=ppt/slides/slide5.xml><?xml version="1.0" encoding="utf-8"?>
 <p:sld xmlns:a="http://schemas.openxmlformats.org/drawingml/2006/main" xmlns:r="http://schemas.openxmlformats.org/officeDocument/2006/relationships" xmlns:p="http://schemas.openxmlformats.org/presentationml/2006/main">
   <p:cSld>
     <p:spTree>
@@ -8629,22 +8958,22 @@
           <a:lstStyle/>
           <a:p>
             <a:r>
-              <a:rPr lang="ko-KR" altLang="en-US" dirty="0" err="1" smtClean="0"/>
+              <a:rPr lang="ko-KR" altLang="en-US" dirty="0" err="1"/>
               <a:t>즐겨찾기</a:t>
             </a:r>
             <a:r>
-              <a:rPr lang="ko-KR" altLang="en-US" dirty="0" smtClean="0"/>
+              <a:rPr lang="ko-KR" altLang="en-US" dirty="0"/>
               <a:t> 해제</a:t>
             </a:r>
-            <a:endParaRPr lang="en-US" altLang="ko-KR" dirty="0" smtClean="0"/>
-          </a:p>
-          <a:p>
-            <a:r>
-              <a:rPr lang="ko-KR" altLang="en-US" sz="1100" dirty="0" smtClean="0"/>
+            <a:endParaRPr lang="en-US" altLang="ko-KR" dirty="0"/>
+          </a:p>
+          <a:p>
+            <a:r>
+              <a:rPr lang="ko-KR" altLang="en-US" sz="1100" dirty="0"/>
               <a:t>다음부터 이 화면에서 볼 수 없음</a:t>
             </a:r>
             <a:r>
-              <a:rPr lang="en-US" altLang="ko-KR" dirty="0" smtClean="0"/>
+              <a:rPr lang="en-US" altLang="ko-KR" dirty="0"/>
               <a:t>.</a:t>
             </a:r>
             <a:endParaRPr lang="ko-KR" altLang="en-US" dirty="0"/>
@@ -8897,7 +9226,7 @@
           <a:p>
             <a:pPr algn="ctr"/>
             <a:r>
-              <a:rPr lang="ko-KR" altLang="en-US" dirty="0" err="1" smtClean="0"/>
+              <a:rPr lang="ko-KR" altLang="en-US" dirty="0" err="1"/>
               <a:t>즐겨찾기</a:t>
             </a:r>
             <a:endParaRPr lang="ko-KR" altLang="en-US" dirty="0"/>
@@ -9109,7 +9438,7 @@
           <a:lstStyle/>
           <a:p>
             <a:r>
-              <a:rPr lang="en-US" altLang="ko-KR" dirty="0" smtClean="0"/>
+              <a:rPr lang="en-US" altLang="ko-KR" dirty="0"/>
               <a:t>NEXT</a:t>
             </a:r>
             <a:endParaRPr lang="ko-KR" altLang="en-US" dirty="0"/>
@@ -9211,7 +9540,7 @@
         <p:spPr>
           <a:xfrm>
             <a:off x="5073836" y="564660"/>
-            <a:ext cx="2249718" cy="369332"/>
+            <a:ext cx="2113079" cy="369332"/>
           </a:xfrm>
           <a:prstGeom prst="rect">
             <a:avLst/>
@@ -9230,14 +9559,9 @@
           <a:lstStyle/>
           <a:p>
             <a:r>
-              <a:rPr lang="en-US" altLang="ko-KR" dirty="0" smtClean="0"/>
-              <a:t>Fitting Layer</a:t>
-            </a:r>
-            <a:r>
-              <a:rPr lang="ko-KR" altLang="en-US" dirty="0" smtClean="0"/>
-              <a:t>로 이동</a:t>
-            </a:r>
-            <a:endParaRPr lang="ko-KR" altLang="en-US" dirty="0"/>
+              <a:rPr lang="ko-KR" altLang="en-US" dirty="0"/>
+              <a:t>옷장화면으로 이동</a:t>
+            </a:r>
           </a:p>
         </p:txBody>
       </p:sp>
@@ -9278,36 +9602,55 @@
           <a:p>
             <a:pPr algn="ctr"/>
             <a:r>
-              <a:rPr lang="en-US" altLang="ko-KR" dirty="0" smtClean="0"/>
-              <a:t>4.Favorite Layer</a:t>
-            </a:r>
-            <a:endParaRPr lang="ko-KR" altLang="en-US" dirty="0"/>
+              <a:rPr lang="en-US" altLang="ko-KR" dirty="0"/>
+              <a:t>4.</a:t>
+            </a:r>
+            <a:r>
+              <a:rPr lang="ko-KR" altLang="en-US" dirty="0" err="1"/>
+              <a:t>즐겨찾기</a:t>
+            </a:r>
+            <a:r>
+              <a:rPr lang="ko-KR" altLang="en-US" dirty="0"/>
+              <a:t> 화면</a:t>
+            </a:r>
           </a:p>
         </p:txBody>
       </p:sp>
       <p:grpSp>
         <p:nvGrpSpPr>
-          <p:cNvPr id="63" name="그룹 62"/>
+          <p:cNvPr id="52" name="그룹 51">
+            <a:extLst>
+              <a:ext uri="{FF2B5EF4-FFF2-40B4-BE49-F238E27FC236}">
+                <a16:creationId xmlns:a16="http://schemas.microsoft.com/office/drawing/2014/main" id="{7A7D0346-37EB-4A69-B48A-CFFCCB85EEF5}"/>
+              </a:ext>
+            </a:extLst>
+          </p:cNvPr>
           <p:cNvGrpSpPr/>
           <p:nvPr/>
         </p:nvGrpSpPr>
         <p:grpSpPr>
           <a:xfrm>
-            <a:off x="3752420" y="4524742"/>
-            <a:ext cx="4000411" cy="643513"/>
-            <a:chOff x="3752420" y="4524742"/>
-            <a:chExt cx="4000411" cy="643513"/>
+            <a:off x="3757341" y="4525639"/>
+            <a:ext cx="3341256" cy="792996"/>
+            <a:chOff x="3445849" y="3701667"/>
+            <a:chExt cx="3341256" cy="792996"/>
           </a:xfrm>
         </p:grpSpPr>
         <p:sp>
           <p:nvSpPr>
-            <p:cNvPr id="59" name="타원 58"/>
+            <p:cNvPr id="58" name="타원 57">
+              <a:extLst>
+                <a:ext uri="{FF2B5EF4-FFF2-40B4-BE49-F238E27FC236}">
+                  <a16:creationId xmlns:a16="http://schemas.microsoft.com/office/drawing/2014/main" id="{4355909B-CCBF-4C03-A68C-476478B33929}"/>
+                </a:ext>
+              </a:extLst>
+            </p:cNvPr>
             <p:cNvSpPr/>
             <p:nvPr/>
           </p:nvSpPr>
           <p:spPr>
             <a:xfrm>
-              <a:off x="3752420" y="4524742"/>
+              <a:off x="3445849" y="3701667"/>
               <a:ext cx="622928" cy="616945"/>
             </a:xfrm>
             <a:prstGeom prst="ellipse">
@@ -9349,13 +9692,19 @@
         </p:sp>
         <p:sp>
           <p:nvSpPr>
-            <p:cNvPr id="60" name="타원 59"/>
+            <p:cNvPr id="64" name="타원 63">
+              <a:extLst>
+                <a:ext uri="{FF2B5EF4-FFF2-40B4-BE49-F238E27FC236}">
+                  <a16:creationId xmlns:a16="http://schemas.microsoft.com/office/drawing/2014/main" id="{735CD67F-6558-412A-91FD-772D6FCF55C2}"/>
+                </a:ext>
+              </a:extLst>
+            </p:cNvPr>
             <p:cNvSpPr/>
             <p:nvPr/>
           </p:nvSpPr>
           <p:spPr>
             <a:xfrm>
-              <a:off x="4058857" y="4810354"/>
+              <a:off x="3752286" y="3987279"/>
               <a:ext cx="45719" cy="45719"/>
             </a:xfrm>
             <a:prstGeom prst="ellipse">
@@ -9397,13 +9746,19 @@
         </p:sp>
         <p:cxnSp>
           <p:nvCxnSpPr>
-            <p:cNvPr id="61" name="직선 화살표 연결선 60"/>
+            <p:cNvPr id="65" name="직선 화살표 연결선 64">
+              <a:extLst>
+                <a:ext uri="{FF2B5EF4-FFF2-40B4-BE49-F238E27FC236}">
+                  <a16:creationId xmlns:a16="http://schemas.microsoft.com/office/drawing/2014/main" id="{D3B2F1EA-2CD2-4214-AD64-9B2574BFFE7B}"/>
+                </a:ext>
+              </a:extLst>
+            </p:cNvPr>
             <p:cNvCxnSpPr/>
             <p:nvPr/>
           </p:nvCxnSpPr>
           <p:spPr>
             <a:xfrm flipH="1" flipV="1">
-              <a:off x="4104577" y="4834039"/>
+              <a:off x="3798006" y="4010964"/>
               <a:ext cx="1154245" cy="22034"/>
             </a:xfrm>
             <a:prstGeom prst="straightConnector1">
@@ -9430,14 +9785,20 @@
         </p:cxnSp>
         <p:sp>
           <p:nvSpPr>
-            <p:cNvPr id="62" name="TextBox 61"/>
+            <p:cNvPr id="66" name="TextBox 65">
+              <a:extLst>
+                <a:ext uri="{FF2B5EF4-FFF2-40B4-BE49-F238E27FC236}">
+                  <a16:creationId xmlns:a16="http://schemas.microsoft.com/office/drawing/2014/main" id="{9394DCC6-AEAC-4234-A3B9-7AF2D78B253A}"/>
+                </a:ext>
+              </a:extLst>
+            </p:cNvPr>
             <p:cNvSpPr txBox="1"/>
             <p:nvPr/>
           </p:nvSpPr>
           <p:spPr>
             <a:xfrm>
-              <a:off x="5261443" y="4614257"/>
-              <a:ext cx="2491388" cy="553998"/>
+              <a:off x="4954872" y="3848332"/>
+              <a:ext cx="1832233" cy="646331"/>
             </a:xfrm>
             <a:prstGeom prst="rect">
               <a:avLst/>
@@ -9450,26 +9811,27 @@
             </a:ln>
           </p:spPr>
           <p:txBody>
-            <a:bodyPr wrap="none" rtlCol="0">
+            <a:bodyPr wrap="square" rtlCol="0">
               <a:spAutoFit/>
             </a:bodyPr>
             <a:lstStyle/>
             <a:p>
               <a:r>
-                <a:rPr lang="en-US" altLang="ko-KR" dirty="0" smtClean="0"/>
-                <a:t>Hand Recognition UI</a:t>
+                <a:rPr lang="en-US" altLang="ko-KR" dirty="0"/>
+                <a:t>UI</a:t>
               </a:r>
+              <a:r>
+                <a:rPr lang="ko-KR" altLang="en-US" dirty="0"/>
+                <a:t>를 위한 </a:t>
+              </a:r>
+              <a:endParaRPr lang="en-US" altLang="ko-KR" dirty="0"/>
             </a:p>
             <a:p>
               <a:r>
-                <a:rPr lang="ko-KR" altLang="en-US" sz="1200" dirty="0" smtClean="0"/>
-                <a:t>손의 위치를 계속 나타내주는 원</a:t>
+                <a:rPr lang="en-US" altLang="ko-KR" dirty="0"/>
+                <a:t>Hand Detection</a:t>
               </a:r>
-              <a:r>
-                <a:rPr lang="en-US" altLang="ko-KR" sz="1200" dirty="0" smtClean="0"/>
-                <a:t>. </a:t>
-              </a:r>
-              <a:endParaRPr lang="ko-KR" altLang="en-US" sz="1200" dirty="0"/>
+              <a:endParaRPr lang="ko-KR" altLang="en-US" dirty="0"/>
             </a:p>
           </p:txBody>
         </p:sp>
